--- a/iBMS大規模対応の進め方.pptx
+++ b/iBMS大規模対応の進め方.pptx
@@ -23603,18 +23603,32 @@
           <a:lstStyle/>
           <a:p>
             <a:r>
-              <a:rPr lang="en-US" altLang="ja-JP" b="1" dirty="0" err="1">
+              <a:rPr lang="en-US" altLang="ja-JP" b="1" dirty="0">
                 <a:latin typeface="BIZ UDPゴシック" panose="020B0400000000000000" pitchFamily="50" charset="-128"/>
                 <a:ea typeface="BIZ UDPゴシック" panose="020B0400000000000000" pitchFamily="50" charset="-128"/>
               </a:rPr>
-              <a:t>iBMS</a:t>
+              <a:t>I</a:t>
+            </a:r>
+            <a:r>
+              <a:rPr lang="en-US" altLang="ja-JP" b="1" dirty="0" smtClean="0">
+                <a:latin typeface="BIZ UDPゴシック" panose="020B0400000000000000" pitchFamily="50" charset="-128"/>
+                <a:ea typeface="BIZ UDPゴシック" panose="020B0400000000000000" pitchFamily="50" charset="-128"/>
+              </a:rPr>
+              <a:t>BMS</a:t>
+            </a:r>
+            <a:r>
+              <a:rPr lang="ja-JP" altLang="en-US" b="1" dirty="0" smtClean="0">
+                <a:latin typeface="BIZ UDPゴシック" panose="020B0400000000000000" pitchFamily="50" charset="-128"/>
+                <a:ea typeface="BIZ UDPゴシック" panose="020B0400000000000000" pitchFamily="50" charset="-128"/>
+              </a:rPr>
+              <a:t> </a:t>
             </a:r>
             <a:r>
               <a:rPr lang="ja-JP" altLang="en-US" b="1" dirty="0">
                 <a:latin typeface="BIZ UDPゴシック" panose="020B0400000000000000" pitchFamily="50" charset="-128"/>
                 <a:ea typeface="BIZ UDPゴシック" panose="020B0400000000000000" pitchFamily="50" charset="-128"/>
               </a:rPr>
-              <a:t> 次期グローバル計画への戦略</a:t>
+              <a:t>次期グローバル計画への戦略</a:t>
             </a:r>
             <a:endParaRPr lang="en-US" b="1" dirty="0">
               <a:latin typeface="BIZ UDPゴシック" panose="020B0400000000000000" pitchFamily="50" charset="-128"/>
@@ -23739,8 +23753,8 @@
         </p:nvSpPr>
         <p:spPr>
           <a:xfrm>
-            <a:off x="407368" y="1945694"/>
-            <a:ext cx="10009113" cy="2082762"/>
+            <a:off x="455261" y="1893691"/>
+            <a:ext cx="7992888" cy="1667370"/>
           </a:xfrm>
         </p:spPr>
         <p:txBody>
@@ -23751,109 +23765,109 @@
               <a:buNone/>
             </a:pPr>
             <a:r>
-              <a:rPr lang="ja-JP" altLang="en-US" sz="2000" dirty="0">
+              <a:rPr lang="ja-JP" altLang="en-US" sz="1800" dirty="0">
                 <a:latin typeface="BIZ UDPゴシック" panose="020B0400000000000000" pitchFamily="50" charset="-128"/>
                 <a:ea typeface="BIZ UDPゴシック" panose="020B0400000000000000" pitchFamily="50" charset="-128"/>
               </a:rPr>
               <a:t>「</a:t>
             </a:r>
             <a:r>
-              <a:rPr lang="en-US" altLang="ja-JP" sz="2000" dirty="0" err="1">
+              <a:rPr lang="en-US" altLang="ja-JP" sz="1800" dirty="0" err="1">
                 <a:latin typeface="BIZ UDPゴシック" panose="020B0400000000000000" pitchFamily="50" charset="-128"/>
                 <a:ea typeface="BIZ UDPゴシック" panose="020B0400000000000000" pitchFamily="50" charset="-128"/>
               </a:rPr>
               <a:t>savic</a:t>
             </a:r>
             <a:r>
-              <a:rPr lang="en-US" altLang="ja-JP" sz="2000" dirty="0">
+              <a:rPr lang="en-US" altLang="ja-JP" sz="1800" dirty="0">
                 <a:latin typeface="BIZ UDPゴシック" panose="020B0400000000000000" pitchFamily="50" charset="-128"/>
                 <a:ea typeface="BIZ UDPゴシック" panose="020B0400000000000000" pitchFamily="50" charset="-128"/>
               </a:rPr>
               <a:t>-net FX</a:t>
             </a:r>
             <a:r>
-              <a:rPr lang="ja-JP" altLang="en-US" sz="2000" dirty="0">
+              <a:rPr lang="ja-JP" altLang="en-US" sz="1800" dirty="0">
                 <a:latin typeface="BIZ UDPゴシック" panose="020B0400000000000000" pitchFamily="50" charset="-128"/>
                 <a:ea typeface="BIZ UDPゴシック" panose="020B0400000000000000" pitchFamily="50" charset="-128"/>
               </a:rPr>
               <a:t>に</a:t>
             </a:r>
             <a:r>
-              <a:rPr lang="en-US" altLang="ja-JP" sz="2000" dirty="0">
+              <a:rPr lang="en-US" altLang="ja-JP" sz="1800" dirty="0">
                 <a:latin typeface="BIZ UDPゴシック" panose="020B0400000000000000" pitchFamily="50" charset="-128"/>
                 <a:ea typeface="BIZ UDPゴシック" panose="020B0400000000000000" pitchFamily="50" charset="-128"/>
               </a:rPr>
               <a:t>PcVue</a:t>
             </a:r>
             <a:r>
-              <a:rPr lang="ja-JP" altLang="en-US" sz="2000" dirty="0">
+              <a:rPr lang="ja-JP" altLang="en-US" sz="1800" dirty="0">
                 <a:latin typeface="BIZ UDPゴシック" panose="020B0400000000000000" pitchFamily="50" charset="-128"/>
                 <a:ea typeface="BIZ UDPゴシック" panose="020B0400000000000000" pitchFamily="50" charset="-128"/>
               </a:rPr>
               <a:t>で機能補完した</a:t>
             </a:r>
             <a:r>
-              <a:rPr lang="en-US" altLang="ja-JP" sz="2000" dirty="0" err="1">
+              <a:rPr lang="en-US" altLang="ja-JP" sz="1800" dirty="0" err="1">
                 <a:latin typeface="BIZ UDPゴシック" panose="020B0400000000000000" pitchFamily="50" charset="-128"/>
                 <a:ea typeface="BIZ UDPゴシック" panose="020B0400000000000000" pitchFamily="50" charset="-128"/>
               </a:rPr>
               <a:t>iBMS</a:t>
             </a:r>
             <a:r>
-              <a:rPr lang="en-US" altLang="ja-JP" sz="2000" dirty="0">
+              <a:rPr lang="en-US" altLang="ja-JP" sz="1800" dirty="0">
                 <a:latin typeface="BIZ UDPゴシック" panose="020B0400000000000000" pitchFamily="50" charset="-128"/>
                 <a:ea typeface="BIZ UDPゴシック" panose="020B0400000000000000" pitchFamily="50" charset="-128"/>
               </a:rPr>
               <a:t> </a:t>
             </a:r>
             <a:r>
-              <a:rPr lang="ja-JP" altLang="en-US" sz="2000" dirty="0">
+              <a:rPr lang="ja-JP" altLang="en-US" sz="1800" dirty="0">
                 <a:latin typeface="BIZ UDPゴシック" panose="020B0400000000000000" pitchFamily="50" charset="-128"/>
                 <a:ea typeface="BIZ UDPゴシック" panose="020B0400000000000000" pitchFamily="50" charset="-128"/>
               </a:rPr>
               <a:t>→ 海外本格展開の幕開け」</a:t>
             </a:r>
-            <a:endParaRPr lang="en-US" altLang="ja-JP" sz="2000" dirty="0">
+            <a:endParaRPr lang="en-US" altLang="ja-JP" sz="1800" dirty="0">
               <a:latin typeface="BIZ UDPゴシック" panose="020B0400000000000000" pitchFamily="50" charset="-128"/>
               <a:ea typeface="BIZ UDPゴシック" panose="020B0400000000000000" pitchFamily="50" charset="-128"/>
             </a:endParaRPr>
           </a:p>
           <a:p>
             <a:r>
-              <a:rPr lang="ja-JP" altLang="en-US" sz="2000" dirty="0">
+              <a:rPr lang="ja-JP" altLang="en-US" sz="1800" dirty="0">
                 <a:latin typeface="BIZ UDPゴシック" panose="020B0400000000000000" pitchFamily="50" charset="-128"/>
                 <a:ea typeface="BIZ UDPゴシック" panose="020B0400000000000000" pitchFamily="50" charset="-128"/>
               </a:rPr>
               <a:t>電気と空調衛生のシステム統合 → 多様な通信プロトコル対応</a:t>
             </a:r>
-            <a:endParaRPr lang="en-US" altLang="ja-JP" sz="2000" dirty="0">
+            <a:endParaRPr lang="en-US" altLang="ja-JP" sz="1800" dirty="0">
               <a:latin typeface="BIZ UDPゴシック" panose="020B0400000000000000" pitchFamily="50" charset="-128"/>
               <a:ea typeface="BIZ UDPゴシック" panose="020B0400000000000000" pitchFamily="50" charset="-128"/>
             </a:endParaRPr>
           </a:p>
           <a:p>
             <a:r>
-              <a:rPr lang="ja-JP" altLang="en-US" sz="2000" dirty="0">
+              <a:rPr lang="ja-JP" altLang="en-US" sz="1800" dirty="0">
                 <a:latin typeface="BIZ UDPゴシック" panose="020B0400000000000000" pitchFamily="50" charset="-128"/>
                 <a:ea typeface="BIZ UDPゴシック" panose="020B0400000000000000" pitchFamily="50" charset="-128"/>
               </a:rPr>
               <a:t>海外市場への対応を加速 → </a:t>
             </a:r>
             <a:r>
-              <a:rPr lang="en-US" altLang="ja-JP" sz="2000" dirty="0">
+              <a:rPr lang="en-US" altLang="ja-JP" sz="1800" dirty="0">
                 <a:latin typeface="BIZ UDPゴシック" panose="020B0400000000000000" pitchFamily="50" charset="-128"/>
                 <a:ea typeface="BIZ UDPゴシック" panose="020B0400000000000000" pitchFamily="50" charset="-128"/>
               </a:rPr>
               <a:t>BTL</a:t>
             </a:r>
             <a:r>
-              <a:rPr lang="ja-JP" altLang="en-US" sz="2000" dirty="0">
+              <a:rPr lang="ja-JP" altLang="en-US" sz="1800" dirty="0">
                 <a:latin typeface="BIZ UDPゴシック" panose="020B0400000000000000" pitchFamily="50" charset="-128"/>
                 <a:ea typeface="BIZ UDPゴシック" panose="020B0400000000000000" pitchFamily="50" charset="-128"/>
               </a:rPr>
               <a:t>認定</a:t>
             </a:r>
-            <a:endParaRPr lang="en-US" altLang="ja-JP" sz="2000" dirty="0">
+            <a:endParaRPr lang="en-US" altLang="ja-JP" sz="1800" dirty="0">
               <a:latin typeface="BIZ UDPゴシック" panose="020B0400000000000000" pitchFamily="50" charset="-128"/>
               <a:ea typeface="BIZ UDPゴシック" panose="020B0400000000000000" pitchFamily="50" charset="-128"/>
             </a:endParaRPr>
@@ -23863,14 +23877,14 @@
               <a:buNone/>
             </a:pPr>
             <a:r>
-              <a:rPr lang="ja-JP" altLang="en-US" sz="2000" dirty="0">
+              <a:rPr lang="ja-JP" altLang="en-US" sz="2000" b="1" dirty="0">
                 <a:latin typeface="BIZ UDPゴシック" panose="020B0400000000000000" pitchFamily="50" charset="-128"/>
                 <a:ea typeface="BIZ UDPゴシック" panose="020B0400000000000000" pitchFamily="50" charset="-128"/>
               </a:rPr>
               <a:t>⇒ </a:t>
             </a:r>
             <a:r>
-              <a:rPr lang="en-US" altLang="ja-JP" sz="2000" dirty="0">
+              <a:rPr lang="en-US" altLang="ja-JP" sz="2000" b="1" dirty="0">
                 <a:solidFill>
                   <a:srgbClr val="0000FF"/>
                 </a:solidFill>
@@ -23880,7 +23894,7 @@
               <a:t>CB</a:t>
             </a:r>
             <a:r>
-              <a:rPr lang="ja-JP" altLang="en-US" sz="2000" dirty="0">
+              <a:rPr lang="ja-JP" altLang="en-US" sz="2000" b="1" dirty="0">
                 <a:solidFill>
                   <a:srgbClr val="0000FF"/>
                 </a:solidFill>
@@ -23890,7 +23904,7 @@
               <a:t>のランドマークを攻略済み </a:t>
             </a:r>
             <a:r>
-              <a:rPr lang="en-US" altLang="ja-JP" sz="2000" dirty="0">
+              <a:rPr lang="en-US" altLang="ja-JP" sz="2000" b="1" dirty="0">
                 <a:solidFill>
                   <a:srgbClr val="0000FF"/>
                 </a:solidFill>
@@ -23900,7 +23914,7 @@
               <a:t>+@</a:t>
             </a:r>
             <a:r>
-              <a:rPr lang="ja-JP" altLang="en-US" sz="2000" dirty="0">
+              <a:rPr lang="ja-JP" altLang="en-US" sz="2000" b="1" dirty="0">
                 <a:solidFill>
                   <a:srgbClr val="0000FF"/>
                 </a:solidFill>
@@ -23910,7 +23924,7 @@
               <a:t> 製薬・工場・</a:t>
             </a:r>
             <a:r>
-              <a:rPr lang="en-US" altLang="ja-JP" sz="2000" dirty="0">
+              <a:rPr lang="en-US" altLang="ja-JP" sz="2000" b="1" dirty="0">
                 <a:solidFill>
                   <a:srgbClr val="0000FF"/>
                 </a:solidFill>
@@ -23920,7 +23934,7 @@
               <a:t>EMS</a:t>
             </a:r>
             <a:r>
-              <a:rPr lang="ja-JP" altLang="en-US" sz="2000" dirty="0">
+              <a:rPr lang="ja-JP" altLang="en-US" sz="2000" b="1" dirty="0">
                 <a:solidFill>
                   <a:srgbClr val="0000FF"/>
                 </a:solidFill>
@@ -23948,7 +23962,7 @@
         </p:nvSpPr>
         <p:spPr>
           <a:xfrm>
-            <a:off x="407369" y="3861048"/>
+            <a:off x="407369" y="3753271"/>
             <a:ext cx="8424935" cy="698246"/>
           </a:xfrm>
           <a:prstGeom prst="rect">
@@ -24291,8 +24305,8 @@
         </p:nvSpPr>
         <p:spPr>
           <a:xfrm>
-            <a:off x="407368" y="4465974"/>
-            <a:ext cx="11737304" cy="2082762"/>
+            <a:off x="455261" y="4370574"/>
+            <a:ext cx="10099693" cy="2082762"/>
           </a:xfrm>
           <a:prstGeom prst="rect">
             <a:avLst/>
@@ -24483,7 +24497,7 @@
               <a:defRPr/>
             </a:pPr>
             <a:r>
-              <a:rPr kumimoji="0" lang="ja-JP" altLang="en-US" sz="2000" b="0" i="0" u="none" strike="noStrike" kern="1200" cap="none" spc="0" normalizeH="0" baseline="0" noProof="0" dirty="0">
+              <a:rPr kumimoji="0" lang="ja-JP" altLang="en-US" sz="1800" b="0" i="0" u="none" strike="noStrike" kern="1200" cap="none" spc="0" normalizeH="0" baseline="0" noProof="0" dirty="0">
                 <a:ln>
                   <a:noFill/>
                 </a:ln>
@@ -24500,7 +24514,7 @@
               <a:t>「</a:t>
             </a:r>
             <a:r>
-              <a:rPr kumimoji="0" lang="en-US" altLang="ja-JP" sz="2000" b="0" i="0" u="none" strike="noStrike" kern="1200" cap="none" spc="0" normalizeH="0" baseline="0" noProof="0" dirty="0" err="1">
+              <a:rPr kumimoji="0" lang="en-US" altLang="ja-JP" sz="1800" b="0" i="0" u="none" strike="noStrike" kern="1200" cap="none" spc="0" normalizeH="0" baseline="0" noProof="0" dirty="0" err="1">
                 <a:ln>
                   <a:noFill/>
                 </a:ln>
@@ -24517,7 +24531,7 @@
               <a:t>savic</a:t>
             </a:r>
             <a:r>
-              <a:rPr kumimoji="0" lang="en-US" altLang="ja-JP" sz="2000" b="0" i="0" u="none" strike="noStrike" kern="1200" cap="none" spc="0" normalizeH="0" baseline="0" noProof="0" dirty="0">
+              <a:rPr kumimoji="0" lang="en-US" altLang="ja-JP" sz="1800" b="0" i="0" u="none" strike="noStrike" kern="1200" cap="none" spc="0" normalizeH="0" baseline="0" noProof="0" dirty="0">
                 <a:ln>
                   <a:noFill/>
                 </a:ln>
@@ -24534,7 +24548,7 @@
               <a:t>-net G5</a:t>
             </a:r>
             <a:r>
-              <a:rPr kumimoji="0" lang="ja-JP" altLang="en-US" sz="2000" b="0" i="0" u="none" strike="noStrike" kern="1200" cap="none" spc="0" normalizeH="0" baseline="0" noProof="0" dirty="0">
+              <a:rPr kumimoji="0" lang="ja-JP" altLang="en-US" sz="1800" b="0" i="0" u="none" strike="noStrike" kern="1200" cap="none" spc="0" normalizeH="0" baseline="0" noProof="0" dirty="0">
                 <a:ln>
                   <a:noFill/>
                 </a:ln>
@@ -24551,7 +24565,7 @@
               <a:t>で届かない大規模領域の</a:t>
             </a:r>
             <a:r>
-              <a:rPr kumimoji="0" lang="en-US" altLang="ja-JP" sz="2000" b="0" i="0" u="none" strike="noStrike" kern="1200" cap="none" spc="0" normalizeH="0" baseline="0" noProof="0" dirty="0" err="1">
+              <a:rPr kumimoji="0" lang="en-US" altLang="ja-JP" sz="1800" b="0" i="0" u="none" strike="noStrike" kern="1200" cap="none" spc="0" normalizeH="0" baseline="0" noProof="0" dirty="0" err="1">
                 <a:ln>
                   <a:noFill/>
                 </a:ln>
@@ -24568,7 +24582,7 @@
               <a:t>iBMS</a:t>
             </a:r>
             <a:r>
-              <a:rPr kumimoji="0" lang="en-US" altLang="ja-JP" sz="2000" b="0" i="0" u="none" strike="noStrike" kern="1200" cap="none" spc="0" normalizeH="0" baseline="0" noProof="0" dirty="0">
+              <a:rPr kumimoji="0" lang="en-US" altLang="ja-JP" sz="1800" b="0" i="0" u="none" strike="noStrike" kern="1200" cap="none" spc="0" normalizeH="0" baseline="0" noProof="0" dirty="0">
                 <a:ln>
                   <a:noFill/>
                 </a:ln>
@@ -24585,7 +24599,7 @@
               <a:t> </a:t>
             </a:r>
             <a:r>
-              <a:rPr kumimoji="0" lang="ja-JP" altLang="en-US" sz="2000" b="0" i="0" u="none" strike="noStrike" kern="1200" cap="none" spc="0" normalizeH="0" baseline="0" noProof="0" dirty="0">
+              <a:rPr kumimoji="0" lang="ja-JP" altLang="en-US" sz="1800" b="0" i="0" u="none" strike="noStrike" kern="1200" cap="none" spc="0" normalizeH="0" baseline="0" noProof="0" dirty="0">
                 <a:ln>
                   <a:noFill/>
                 </a:ln>
@@ -24601,7 +24615,7 @@
               </a:rPr>
               <a:t>→ 棟当り売上げ拡大」</a:t>
             </a:r>
-            <a:endParaRPr kumimoji="0" lang="en-US" altLang="ja-JP" sz="2000" b="0" i="0" u="none" strike="noStrike" kern="1200" cap="none" spc="0" normalizeH="0" baseline="0" noProof="0" dirty="0">
+            <a:endParaRPr kumimoji="0" lang="en-US" altLang="ja-JP" sz="1800" b="0" i="0" u="none" strike="noStrike" kern="1200" cap="none" spc="0" normalizeH="0" baseline="0" noProof="0" dirty="0">
               <a:ln>
                 <a:noFill/>
               </a:ln>
@@ -24635,7 +24649,7 @@
               <a:defRPr/>
             </a:pPr>
             <a:r>
-              <a:rPr kumimoji="0" lang="en-US" altLang="ja-JP" sz="2000" b="0" i="0" u="none" strike="noStrike" kern="1200" cap="none" spc="0" normalizeH="0" baseline="0" noProof="0" dirty="0">
+              <a:rPr kumimoji="0" lang="en-US" altLang="ja-JP" sz="1800" b="0" i="0" u="none" strike="noStrike" kern="1200" cap="none" spc="0" normalizeH="0" baseline="0" noProof="0" dirty="0">
                 <a:ln>
                   <a:noFill/>
                 </a:ln>
@@ -24652,7 +24666,7 @@
               <a:t>CB</a:t>
             </a:r>
             <a:r>
-              <a:rPr kumimoji="0" lang="ja-JP" altLang="en-US" sz="2000" b="0" i="0" u="none" strike="noStrike" kern="1200" cap="none" spc="0" normalizeH="0" baseline="0" noProof="0" dirty="0">
+              <a:rPr kumimoji="0" lang="ja-JP" altLang="en-US" sz="1800" b="0" i="0" u="none" strike="noStrike" kern="1200" cap="none" spc="0" normalizeH="0" baseline="0" noProof="0" dirty="0">
                 <a:ln>
                   <a:noFill/>
                 </a:ln>
@@ -24669,7 +24683,7 @@
               <a:t>・</a:t>
             </a:r>
             <a:r>
-              <a:rPr kumimoji="0" lang="en-US" altLang="ja-JP" sz="2000" b="0" i="0" u="none" strike="noStrike" kern="1200" cap="none" spc="0" normalizeH="0" baseline="0" noProof="0" dirty="0">
+              <a:rPr kumimoji="0" lang="en-US" altLang="ja-JP" sz="1800" b="0" i="0" u="none" strike="noStrike" kern="1200" cap="none" spc="0" normalizeH="0" baseline="0" noProof="0" dirty="0">
                 <a:ln>
                   <a:noFill/>
                 </a:ln>
@@ -24686,7 +24700,7 @@
               <a:t>DC</a:t>
             </a:r>
             <a:r>
-              <a:rPr kumimoji="0" lang="ja-JP" altLang="en-US" sz="2000" b="0" i="0" u="none" strike="noStrike" kern="1200" cap="none" spc="0" normalizeH="0" baseline="0" noProof="0" dirty="0">
+              <a:rPr kumimoji="0" lang="ja-JP" altLang="en-US" sz="1800" b="0" i="0" u="none" strike="noStrike" kern="1200" cap="none" spc="0" normalizeH="0" baseline="0" noProof="0" dirty="0">
                 <a:ln>
                   <a:noFill/>
                 </a:ln>
@@ -24700,9 +24714,36 @@
                 <a:ea typeface="BIZ UDPゴシック" panose="020B0400000000000000" pitchFamily="50" charset="-128"/>
                 <a:cs typeface="Segoe UI Semilight" panose="020B0402040204020203" pitchFamily="34" charset="0"/>
               </a:rPr>
-              <a:t>の多様化した顧客ニーズの刈取り → ビル管理アプリケーションを充実し対応</a:t>
+              <a:t>の多様化した顧客ニーズの刈取り → ビル管理アプリケーションを充実</a:t>
             </a:r>
-            <a:endParaRPr kumimoji="0" lang="en-US" altLang="ja-JP" sz="2000" b="0" i="0" u="none" strike="noStrike" kern="1200" cap="none" spc="0" normalizeH="0" baseline="0" noProof="0" dirty="0">
+            <a:r>
+              <a:rPr kumimoji="0" lang="ja-JP" altLang="en-US" sz="1800" b="0" i="0" u="none" strike="noStrike" kern="1200" cap="none" spc="0" normalizeH="0" baseline="0" noProof="0" dirty="0" smtClean="0">
+                <a:ln>
+                  <a:noFill/>
+                </a:ln>
+                <a:solidFill>
+                  <a:prstClr val="black"/>
+                </a:solidFill>
+                <a:effectLst/>
+                <a:uLnTx/>
+                <a:uFillTx/>
+                <a:latin typeface="BIZ UDPゴシック" panose="020B0400000000000000" pitchFamily="50" charset="-128"/>
+                <a:ea typeface="BIZ UDPゴシック" panose="020B0400000000000000" pitchFamily="50" charset="-128"/>
+                <a:cs typeface="Segoe UI Semilight" panose="020B0402040204020203" pitchFamily="34" charset="0"/>
+              </a:rPr>
+              <a:t>し受注</a:t>
+            </a:r>
+            <a:r>
+              <a:rPr lang="ja-JP" altLang="en-US" sz="1800" i="0" dirty="0" smtClean="0">
+                <a:solidFill>
+                  <a:prstClr val="black"/>
+                </a:solidFill>
+                <a:latin typeface="BIZ UDPゴシック" panose="020B0400000000000000" pitchFamily="50" charset="-128"/>
+                <a:ea typeface="BIZ UDPゴシック" panose="020B0400000000000000" pitchFamily="50" charset="-128"/>
+              </a:rPr>
+              <a:t>確度向上</a:t>
+            </a:r>
+            <a:endParaRPr kumimoji="0" lang="en-US" altLang="ja-JP" sz="1800" b="0" i="0" u="none" strike="noStrike" kern="1200" cap="none" spc="0" normalizeH="0" baseline="0" noProof="0" dirty="0">
               <a:ln>
                 <a:noFill/>
               </a:ln>
@@ -24736,7 +24777,7 @@
               <a:defRPr/>
             </a:pPr>
             <a:r>
-              <a:rPr kumimoji="0" lang="en-US" altLang="ja-JP" sz="2000" b="0" i="0" u="none" strike="noStrike" kern="1200" cap="none" spc="0" normalizeH="0" baseline="0" noProof="0" dirty="0">
+              <a:rPr kumimoji="0" lang="en-US" altLang="ja-JP" sz="1800" b="0" i="0" u="none" strike="noStrike" kern="1200" cap="none" spc="0" normalizeH="0" baseline="0" noProof="0" dirty="0">
                 <a:ln>
                   <a:noFill/>
                 </a:ln>
@@ -24753,7 +24794,7 @@
               <a:t>200K</a:t>
             </a:r>
             <a:r>
-              <a:rPr kumimoji="0" lang="ja-JP" altLang="en-US" sz="2000" b="0" i="0" u="none" strike="noStrike" kern="1200" cap="none" spc="0" normalizeH="0" baseline="0" noProof="0" dirty="0">
+              <a:rPr kumimoji="0" lang="ja-JP" altLang="en-US" sz="1800" b="0" i="0" u="none" strike="noStrike" kern="1200" cap="none" spc="0" normalizeH="0" baseline="0" noProof="0" dirty="0">
                 <a:ln>
                   <a:noFill/>
                 </a:ln>
@@ -24770,7 +24811,7 @@
               <a:t>～</a:t>
             </a:r>
             <a:r>
-              <a:rPr kumimoji="0" lang="en-US" altLang="ja-JP" sz="2000" b="0" i="0" u="none" strike="noStrike" kern="1200" cap="none" spc="0" normalizeH="0" baseline="0" noProof="0" dirty="0">
+              <a:rPr kumimoji="0" lang="en-US" altLang="ja-JP" sz="1800" b="0" i="0" u="none" strike="noStrike" kern="1200" cap="none" spc="0" normalizeH="0" baseline="0" noProof="0" dirty="0">
                 <a:ln>
                   <a:noFill/>
                 </a:ln>
@@ -24787,7 +24828,7 @@
               <a:t>300K</a:t>
             </a:r>
             <a:r>
-              <a:rPr kumimoji="0" lang="ja-JP" altLang="en-US" sz="2000" b="0" i="0" u="none" strike="noStrike" kern="1200" cap="none" spc="0" normalizeH="0" baseline="0" noProof="0" dirty="0">
+              <a:rPr kumimoji="0" lang="ja-JP" altLang="en-US" sz="1800" b="0" i="0" u="none" strike="noStrike" kern="1200" cap="none" spc="0" normalizeH="0" baseline="0" noProof="0" dirty="0">
                 <a:ln>
                   <a:noFill/>
                 </a:ln>
@@ -24804,7 +24845,7 @@
               <a:t>ポイントの</a:t>
             </a:r>
             <a:r>
-              <a:rPr kumimoji="0" lang="en-US" altLang="ja-JP" sz="2000" b="0" i="0" u="none" strike="noStrike" kern="1200" cap="none" spc="0" normalizeH="0" baseline="0" noProof="0" dirty="0">
+              <a:rPr kumimoji="0" lang="en-US" altLang="ja-JP" sz="1800" b="0" i="0" u="none" strike="noStrike" kern="1200" cap="none" spc="0" normalizeH="0" baseline="0" noProof="0" dirty="0">
                 <a:ln>
                   <a:noFill/>
                 </a:ln>
@@ -24821,7 +24862,7 @@
               <a:t>Big</a:t>
             </a:r>
             <a:r>
-              <a:rPr kumimoji="0" lang="ja-JP" altLang="en-US" sz="2000" b="0" i="0" u="none" strike="noStrike" kern="1200" cap="none" spc="0" normalizeH="0" baseline="0" noProof="0" dirty="0">
+              <a:rPr kumimoji="0" lang="ja-JP" altLang="en-US" sz="1800" b="0" i="0" u="none" strike="noStrike" kern="1200" cap="none" spc="0" normalizeH="0" baseline="0" noProof="0" dirty="0">
                 <a:ln>
                   <a:noFill/>
                 </a:ln>
@@ -24837,7 +24878,7 @@
               </a:rPr>
               <a:t>データ活用 → 日本流ソリューションビジネスで勝ち方程式見出す</a:t>
             </a:r>
-            <a:endParaRPr kumimoji="0" lang="en-US" altLang="ja-JP" sz="2000" b="0" i="0" u="none" strike="noStrike" kern="1200" cap="none" spc="0" normalizeH="0" baseline="0" noProof="0" dirty="0">
+            <a:endParaRPr kumimoji="0" lang="en-US" altLang="ja-JP" sz="1800" b="0" i="0" u="none" strike="noStrike" kern="1200" cap="none" spc="0" normalizeH="0" baseline="0" noProof="0" dirty="0">
               <a:ln>
                 <a:noFill/>
               </a:ln>
@@ -24871,7 +24912,7 @@
               <a:defRPr/>
             </a:pPr>
             <a:r>
-              <a:rPr kumimoji="0" lang="ja-JP" altLang="en-US" sz="2000" b="0" i="0" u="none" strike="noStrike" kern="1200" cap="none" spc="0" normalizeH="0" baseline="0" noProof="0" dirty="0">
+              <a:rPr kumimoji="0" lang="ja-JP" altLang="en-US" sz="2000" b="1" i="0" u="none" strike="noStrike" kern="1200" cap="none" spc="0" normalizeH="0" baseline="0" noProof="0" dirty="0">
                 <a:ln>
                   <a:noFill/>
                 </a:ln>
@@ -24883,12 +24924,11 @@
                 <a:uFillTx/>
                 <a:latin typeface="BIZ UDPゴシック" panose="020B0400000000000000" pitchFamily="50" charset="-128"/>
                 <a:ea typeface="BIZ UDPゴシック" panose="020B0400000000000000" pitchFamily="50" charset="-128"/>
-                <a:cs typeface="Segoe UI Semilight" panose="020B0402040204020203" pitchFamily="34" charset="0"/>
               </a:rPr>
               <a:t>⇒ </a:t>
             </a:r>
             <a:r>
-              <a:rPr kumimoji="0" lang="en-US" altLang="ja-JP" sz="2000" b="0" i="0" u="none" strike="noStrike" kern="1200" cap="none" spc="0" normalizeH="0" baseline="0" noProof="0" dirty="0">
+              <a:rPr kumimoji="0" lang="en-US" altLang="ja-JP" sz="2000" b="1" i="0" u="none" strike="noStrike" kern="1200" cap="none" spc="0" normalizeH="0" baseline="0" noProof="0" dirty="0">
                 <a:ln>
                   <a:noFill/>
                 </a:ln>
@@ -24900,12 +24940,11 @@
                 <a:uFillTx/>
                 <a:latin typeface="BIZ UDPゴシック" panose="020B0400000000000000" pitchFamily="50" charset="-128"/>
                 <a:ea typeface="BIZ UDPゴシック" panose="020B0400000000000000" pitchFamily="50" charset="-128"/>
-                <a:cs typeface="Segoe UI Semilight" panose="020B0402040204020203" pitchFamily="34" charset="0"/>
               </a:rPr>
               <a:t>ASG</a:t>
             </a:r>
             <a:r>
-              <a:rPr kumimoji="0" lang="ja-JP" altLang="en-US" sz="2000" b="0" i="0" u="none" strike="noStrike" kern="1200" cap="none" spc="0" normalizeH="0" baseline="0" noProof="0" dirty="0">
+              <a:rPr kumimoji="0" lang="ja-JP" altLang="en-US" sz="2000" b="1" i="0" u="none" strike="noStrike" kern="1200" cap="none" spc="0" normalizeH="0" baseline="0" noProof="0" dirty="0">
                 <a:ln>
                   <a:noFill/>
                 </a:ln>
@@ -24917,9 +24956,194 @@
                 <a:uFillTx/>
                 <a:latin typeface="BIZ UDPゴシック" panose="020B0400000000000000" pitchFamily="50" charset="-128"/>
                 <a:ea typeface="BIZ UDPゴシック" panose="020B0400000000000000" pitchFamily="50" charset="-128"/>
-                <a:cs typeface="Segoe UI Semilight" panose="020B0402040204020203" pitchFamily="34" charset="0"/>
               </a:rPr>
-              <a:t>ロールモデルを参考に、アプリとソリューションの連係した品揃えで市場に挑む</a:t>
+              <a:t>ロールモデルを参考に</a:t>
+            </a:r>
+            <a:r>
+              <a:rPr kumimoji="0" lang="ja-JP" altLang="en-US" sz="2000" b="1" i="0" u="none" strike="noStrike" kern="1200" cap="none" spc="0" normalizeH="0" baseline="0" noProof="0" dirty="0" smtClean="0">
+                <a:ln>
+                  <a:noFill/>
+                </a:ln>
+                <a:solidFill>
+                  <a:srgbClr val="0000FF"/>
+                </a:solidFill>
+                <a:effectLst/>
+                <a:uLnTx/>
+                <a:uFillTx/>
+                <a:latin typeface="BIZ UDPゴシック" panose="020B0400000000000000" pitchFamily="50" charset="-128"/>
+                <a:ea typeface="BIZ UDPゴシック" panose="020B0400000000000000" pitchFamily="50" charset="-128"/>
+              </a:rPr>
+              <a:t>、</a:t>
+            </a:r>
+            <a:r>
+              <a:rPr lang="ja-JP" altLang="en-US" sz="2000" b="1" i="0" dirty="0" smtClean="0">
+                <a:solidFill>
+                  <a:srgbClr val="0000FF"/>
+                </a:solidFill>
+                <a:latin typeface="BIZ UDPゴシック" panose="020B0400000000000000" pitchFamily="50" charset="-128"/>
+                <a:ea typeface="BIZ UDPゴシック" panose="020B0400000000000000" pitchFamily="50" charset="-128"/>
+              </a:rPr>
+              <a:t>アプリの</a:t>
+            </a:r>
+            <a:r>
+              <a:rPr kumimoji="0" lang="ja-JP" altLang="en-US" sz="2000" b="1" i="0" u="none" strike="noStrike" kern="1200" cap="none" spc="0" normalizeH="0" baseline="0" noProof="0" dirty="0" smtClean="0">
+                <a:ln>
+                  <a:noFill/>
+                </a:ln>
+                <a:solidFill>
+                  <a:srgbClr val="0000FF"/>
+                </a:solidFill>
+                <a:effectLst/>
+                <a:uLnTx/>
+                <a:uFillTx/>
+                <a:latin typeface="BIZ UDPゴシック" panose="020B0400000000000000" pitchFamily="50" charset="-128"/>
+                <a:ea typeface="BIZ UDPゴシック" panose="020B0400000000000000" pitchFamily="50" charset="-128"/>
+              </a:rPr>
+              <a:t>品揃え</a:t>
+            </a:r>
+            <a:r>
+              <a:rPr kumimoji="0" lang="en-US" altLang="ja-JP" sz="2000" b="1" i="0" u="none" strike="noStrike" kern="1200" cap="none" spc="0" normalizeH="0" baseline="0" noProof="0" dirty="0" smtClean="0">
+                <a:ln>
+                  <a:noFill/>
+                </a:ln>
+                <a:solidFill>
+                  <a:srgbClr val="0000FF"/>
+                </a:solidFill>
+                <a:effectLst/>
+                <a:uLnTx/>
+                <a:uFillTx/>
+                <a:latin typeface="BIZ UDPゴシック" panose="020B0400000000000000" pitchFamily="50" charset="-128"/>
+                <a:ea typeface="BIZ UDPゴシック" panose="020B0400000000000000" pitchFamily="50" charset="-128"/>
+              </a:rPr>
+              <a:t>(</a:t>
+            </a:r>
+            <a:r>
+              <a:rPr kumimoji="0" lang="ja-JP" altLang="en-US" sz="2000" b="1" i="0" u="none" strike="noStrike" kern="1200" cap="none" spc="0" normalizeH="0" baseline="0" noProof="0" dirty="0" smtClean="0">
+                <a:ln>
+                  <a:noFill/>
+                </a:ln>
+                <a:solidFill>
+                  <a:srgbClr val="0000FF"/>
+                </a:solidFill>
+                <a:effectLst/>
+                <a:uLnTx/>
+                <a:uFillTx/>
+                <a:latin typeface="BIZ UDPゴシック" panose="020B0400000000000000" pitchFamily="50" charset="-128"/>
+                <a:ea typeface="BIZ UDPゴシック" panose="020B0400000000000000" pitchFamily="50" charset="-128"/>
+              </a:rPr>
+              <a:t>大規模・</a:t>
+            </a:r>
+            <a:r>
+              <a:rPr kumimoji="0" lang="en-US" altLang="ja-JP" sz="2000" b="1" i="0" u="none" strike="noStrike" kern="1200" cap="none" spc="0" normalizeH="0" baseline="0" noProof="0" dirty="0" smtClean="0">
+                <a:ln>
+                  <a:noFill/>
+                </a:ln>
+                <a:solidFill>
+                  <a:srgbClr val="0000FF"/>
+                </a:solidFill>
+                <a:effectLst/>
+                <a:uLnTx/>
+                <a:uFillTx/>
+                <a:latin typeface="BIZ UDPゴシック" panose="020B0400000000000000" pitchFamily="50" charset="-128"/>
+                <a:ea typeface="BIZ UDPゴシック" panose="020B0400000000000000" pitchFamily="50" charset="-128"/>
+              </a:rPr>
+              <a:t>3D</a:t>
+            </a:r>
+            <a:r>
+              <a:rPr kumimoji="0" lang="ja-JP" altLang="en-US" sz="2000" b="1" i="0" u="none" strike="noStrike" kern="1200" cap="none" spc="0" normalizeH="0" baseline="0" noProof="0" dirty="0" smtClean="0">
+                <a:ln>
+                  <a:noFill/>
+                </a:ln>
+                <a:solidFill>
+                  <a:srgbClr val="0000FF"/>
+                </a:solidFill>
+                <a:effectLst/>
+                <a:uLnTx/>
+                <a:uFillTx/>
+                <a:latin typeface="BIZ UDPゴシック" panose="020B0400000000000000" pitchFamily="50" charset="-128"/>
+                <a:ea typeface="BIZ UDPゴシック" panose="020B0400000000000000" pitchFamily="50" charset="-128"/>
+              </a:rPr>
+              <a:t>・</a:t>
+            </a:r>
+            <a:r>
+              <a:rPr kumimoji="0" lang="en-US" altLang="ja-JP" sz="2000" b="1" i="0" u="none" strike="noStrike" kern="1200" cap="none" spc="0" normalizeH="0" baseline="0" noProof="0" dirty="0" smtClean="0">
+                <a:ln>
+                  <a:noFill/>
+                </a:ln>
+                <a:solidFill>
+                  <a:srgbClr val="0000FF"/>
+                </a:solidFill>
+                <a:effectLst/>
+                <a:uLnTx/>
+                <a:uFillTx/>
+                <a:latin typeface="BIZ UDPゴシック" panose="020B0400000000000000" pitchFamily="50" charset="-128"/>
+                <a:ea typeface="BIZ UDPゴシック" panose="020B0400000000000000" pitchFamily="50" charset="-128"/>
+              </a:rPr>
+              <a:t>EMS</a:t>
+            </a:r>
+            <a:r>
+              <a:rPr kumimoji="0" lang="ja-JP" altLang="en-US" sz="2000" b="1" i="0" u="none" strike="noStrike" kern="1200" cap="none" spc="0" normalizeH="0" baseline="0" noProof="0" dirty="0" smtClean="0">
+                <a:ln>
+                  <a:noFill/>
+                </a:ln>
+                <a:solidFill>
+                  <a:srgbClr val="0000FF"/>
+                </a:solidFill>
+                <a:effectLst/>
+                <a:uLnTx/>
+                <a:uFillTx/>
+                <a:latin typeface="BIZ UDPゴシック" panose="020B0400000000000000" pitchFamily="50" charset="-128"/>
+                <a:ea typeface="BIZ UDPゴシック" panose="020B0400000000000000" pitchFamily="50" charset="-128"/>
+              </a:rPr>
+              <a:t>・</a:t>
+            </a:r>
+            <a:r>
+              <a:rPr kumimoji="0" lang="en-US" altLang="ja-JP" sz="2000" b="1" i="0" u="none" strike="noStrike" kern="1200" cap="none" spc="0" normalizeH="0" baseline="0" noProof="0" dirty="0" smtClean="0">
+                <a:ln>
+                  <a:noFill/>
+                </a:ln>
+                <a:solidFill>
+                  <a:srgbClr val="0000FF"/>
+                </a:solidFill>
+                <a:effectLst/>
+                <a:uLnTx/>
+                <a:uFillTx/>
+                <a:latin typeface="BIZ UDPゴシック" panose="020B0400000000000000" pitchFamily="50" charset="-128"/>
+                <a:ea typeface="BIZ UDPゴシック" panose="020B0400000000000000" pitchFamily="50" charset="-128"/>
+              </a:rPr>
+              <a:t>FMS)</a:t>
+            </a:r>
+            <a:r>
+              <a:rPr kumimoji="0" lang="ja-JP" altLang="en-US" sz="2000" b="1" i="0" u="none" strike="noStrike" kern="1200" cap="none" spc="0" normalizeH="0" baseline="0" noProof="0" dirty="0" smtClean="0">
+                <a:ln>
+                  <a:noFill/>
+                </a:ln>
+                <a:solidFill>
+                  <a:srgbClr val="0000FF"/>
+                </a:solidFill>
+                <a:effectLst/>
+                <a:uLnTx/>
+                <a:uFillTx/>
+                <a:latin typeface="BIZ UDPゴシック" panose="020B0400000000000000" pitchFamily="50" charset="-128"/>
+                <a:ea typeface="BIZ UDPゴシック" panose="020B0400000000000000" pitchFamily="50" charset="-128"/>
+              </a:rPr>
+              <a:t>で</a:t>
+            </a:r>
+            <a:r>
+              <a:rPr kumimoji="0" lang="ja-JP" altLang="en-US" sz="2000" b="1" i="0" u="none" strike="noStrike" kern="1200" cap="none" spc="0" normalizeH="0" baseline="0" noProof="0" dirty="0">
+                <a:ln>
+                  <a:noFill/>
+                </a:ln>
+                <a:solidFill>
+                  <a:srgbClr val="0000FF"/>
+                </a:solidFill>
+                <a:effectLst/>
+                <a:uLnTx/>
+                <a:uFillTx/>
+                <a:latin typeface="BIZ UDPゴシック" panose="020B0400000000000000" pitchFamily="50" charset="-128"/>
+                <a:ea typeface="BIZ UDPゴシック" panose="020B0400000000000000" pitchFamily="50" charset="-128"/>
+              </a:rPr>
+              <a:t>市場に挑む</a:t>
             </a:r>
           </a:p>
         </p:txBody>
@@ -25701,7 +25925,7 @@
                 <a:defRPr/>
               </a:pPr>
               <a:r>
-                <a:rPr kumimoji="0" lang="ja-JP" altLang="en-US" sz="1800" b="1" i="0" u="none" strike="noStrike" kern="1200" cap="none" spc="0" normalizeH="0" baseline="0" noProof="0" dirty="0">
+                <a:rPr kumimoji="0" lang="ja-JP" altLang="en-US" sz="1800" b="1" i="0" u="none" strike="noStrike" kern="1200" cap="none" spc="0" normalizeH="0" baseline="0" noProof="0" dirty="0" smtClean="0">
                   <a:ln>
                     <a:noFill/>
                   </a:ln>
@@ -25715,9 +25939,9 @@
                   <a:ea typeface="BIZ UDPゴシック" panose="020B0400000000000000" pitchFamily="50" charset="-128"/>
                   <a:cs typeface="Segoe UI Semilight" panose="020B0402040204020203" pitchFamily="34" charset="0"/>
                 </a:rPr>
-                <a:t>取組み</a:t>
+                <a:t>拡張性</a:t>
               </a:r>
-              <a:endParaRPr kumimoji="0" lang="en-US" altLang="ja-JP" sz="1800" b="1" i="0" u="none" strike="noStrike" kern="1200" cap="none" spc="0" normalizeH="0" baseline="0" noProof="0" dirty="0">
+              <a:endParaRPr kumimoji="0" lang="en-US" altLang="ja-JP" sz="1800" b="1" i="0" u="none" strike="noStrike" kern="1200" cap="none" spc="0" normalizeH="0" baseline="0" noProof="0" dirty="0" smtClean="0">
                 <a:ln>
                   <a:noFill/>
                 </a:ln>
@@ -25751,23 +25975,16 @@
                 <a:defRPr/>
               </a:pPr>
               <a:r>
-                <a:rPr kumimoji="0" lang="ja-JP" altLang="en-US" sz="1800" b="1" i="0" u="none" strike="noStrike" kern="1200" cap="none" spc="0" normalizeH="0" baseline="0" noProof="0" dirty="0">
-                  <a:ln>
-                    <a:noFill/>
-                  </a:ln>
+                <a:rPr lang="ja-JP" altLang="en-US" sz="1800" i="0" dirty="0" smtClean="0">
                   <a:solidFill>
                     <a:srgbClr val="FF0066"/>
                   </a:solidFill>
-                  <a:effectLst/>
-                  <a:uLnTx/>
-                  <a:uFillTx/>
                   <a:latin typeface="BIZ UDPゴシック" panose="020B0400000000000000" pitchFamily="50" charset="-128"/>
                   <a:ea typeface="BIZ UDPゴシック" panose="020B0400000000000000" pitchFamily="50" charset="-128"/>
-                  <a:cs typeface="Segoe UI Semilight" panose="020B0402040204020203" pitchFamily="34" charset="0"/>
                 </a:rPr>
-                <a:t>課題有</a:t>
+                <a:t>大規模</a:t>
               </a:r>
-              <a:endParaRPr kumimoji="0" lang="en-US" sz="1800" b="1" i="0" u="none" strike="noStrike" kern="1200" cap="none" spc="0" normalizeH="0" baseline="0" noProof="0" dirty="0">
+              <a:endParaRPr kumimoji="0" lang="en-US" altLang="ja-JP" sz="1800" b="1" i="0" u="none" strike="noStrike" kern="1200" cap="none" spc="0" normalizeH="0" baseline="0" noProof="0" dirty="0" smtClean="0">
                 <a:ln>
                   <a:noFill/>
                 </a:ln>
@@ -26662,7 +26879,7 @@
         </p:blipFill>
         <p:spPr>
           <a:xfrm>
-            <a:off x="9006279" y="1831881"/>
+            <a:off x="13182644" y="1509053"/>
             <a:ext cx="2995782" cy="2736304"/>
           </a:xfrm>
           <a:prstGeom prst="rect">
@@ -26686,8 +26903,8 @@
         </p:nvSpPr>
         <p:spPr>
           <a:xfrm>
-            <a:off x="767408" y="6264836"/>
-            <a:ext cx="9001000" cy="504772"/>
+            <a:off x="698009" y="6086095"/>
+            <a:ext cx="9321131" cy="504772"/>
           </a:xfrm>
           <a:prstGeom prst="roundRect">
             <a:avLst/>
@@ -26886,44 +27103,74 @@
               <a:defRPr/>
             </a:pPr>
             <a:r>
-              <a:rPr lang="ja-JP" altLang="en-US" i="0" dirty="0">
+              <a:rPr lang="en-US" altLang="ja-JP" i="0" dirty="0" smtClean="0">
                 <a:solidFill>
                   <a:prstClr val="black"/>
                 </a:solidFill>
                 <a:latin typeface="BIZ UDPゴシック" panose="020B0400000000000000" pitchFamily="50" charset="-128"/>
                 <a:ea typeface="BIZ UDPゴシック" panose="020B0400000000000000" pitchFamily="50" charset="-128"/>
               </a:rPr>
-              <a:t>既存 </a:t>
+              <a:t>【</a:t>
             </a:r>
             <a:r>
-              <a:rPr lang="en-US" altLang="ja-JP" i="0" dirty="0" err="1">
+              <a:rPr lang="ja-JP" altLang="en-US" i="0" dirty="0" smtClean="0">
                 <a:solidFill>
                   <a:prstClr val="black"/>
                 </a:solidFill>
                 <a:latin typeface="BIZ UDPゴシック" panose="020B0400000000000000" pitchFamily="50" charset="-128"/>
                 <a:ea typeface="BIZ UDPゴシック" panose="020B0400000000000000" pitchFamily="50" charset="-128"/>
               </a:rPr>
-              <a:t>iBMS</a:t>
+              <a:t>課題</a:t>
             </a:r>
             <a:r>
-              <a:rPr lang="en-US" altLang="ja-JP" i="0" dirty="0">
+              <a:rPr lang="en-US" altLang="ja-JP" i="0" dirty="0" smtClean="0">
                 <a:solidFill>
                   <a:prstClr val="black"/>
                 </a:solidFill>
                 <a:latin typeface="BIZ UDPゴシック" panose="020B0400000000000000" pitchFamily="50" charset="-128"/>
                 <a:ea typeface="BIZ UDPゴシック" panose="020B0400000000000000" pitchFamily="50" charset="-128"/>
               </a:rPr>
-              <a:t> </a:t>
+              <a:t>】 </a:t>
             </a:r>
             <a:r>
-              <a:rPr lang="ja-JP" altLang="en-US" i="0" dirty="0">
+              <a:rPr lang="ja-JP" altLang="en-US" i="0" dirty="0" smtClean="0">
                 <a:solidFill>
                   <a:prstClr val="black"/>
                 </a:solidFill>
                 <a:latin typeface="BIZ UDPゴシック" panose="020B0400000000000000" pitchFamily="50" charset="-128"/>
                 <a:ea typeface="BIZ UDPゴシック" panose="020B0400000000000000" pitchFamily="50" charset="-128"/>
               </a:rPr>
-              <a:t>には 中大規模対応 に課題あり</a:t>
+              <a:t>既存</a:t>
+            </a:r>
+            <a:r>
+              <a:rPr lang="en-US" altLang="ja-JP" i="0" dirty="0" smtClean="0">
+                <a:solidFill>
+                  <a:prstClr val="black"/>
+                </a:solidFill>
+                <a:latin typeface="BIZ UDPゴシック" panose="020B0400000000000000" pitchFamily="50" charset="-128"/>
+                <a:ea typeface="BIZ UDPゴシック" panose="020B0400000000000000" pitchFamily="50" charset="-128"/>
+              </a:rPr>
+              <a:t>I</a:t>
+            </a:r>
+            <a:r>
+              <a:rPr lang="en-US" altLang="ja-JP" i="0" dirty="0" smtClean="0">
+                <a:solidFill>
+                  <a:prstClr val="black"/>
+                </a:solidFill>
+                <a:latin typeface="BIZ UDPゴシック" panose="020B0400000000000000" pitchFamily="50" charset="-128"/>
+                <a:ea typeface="BIZ UDPゴシック" panose="020B0400000000000000" pitchFamily="50" charset="-128"/>
+              </a:rPr>
+              <a:t>BMS</a:t>
+            </a:r>
+            <a:r>
+              <a:rPr lang="ja-JP" altLang="en-US" i="0" dirty="0" smtClean="0">
+                <a:solidFill>
+                  <a:prstClr val="black"/>
+                </a:solidFill>
+                <a:latin typeface="BIZ UDPゴシック" panose="020B0400000000000000" pitchFamily="50" charset="-128"/>
+                <a:ea typeface="BIZ UDPゴシック" panose="020B0400000000000000" pitchFamily="50" charset="-128"/>
+              </a:rPr>
+              <a:t>の品揃え強化が急務 ⇒ 品揃え方を検討</a:t>
             </a:r>
             <a:endParaRPr kumimoji="0" lang="en-US" sz="2400" b="1" i="0" u="none" strike="noStrike" kern="1200" cap="none" spc="0" normalizeH="0" baseline="0" noProof="0" dirty="0">
               <a:ln>
@@ -27014,18 +27261,25 @@
               <a:t>既存 </a:t>
             </a:r>
             <a:r>
-              <a:rPr lang="en-US" altLang="ja-JP" b="1" dirty="0" err="1">
+              <a:rPr lang="en-US" altLang="ja-JP" b="1" dirty="0">
                 <a:latin typeface="BIZ UDPゴシック" panose="020B0400000000000000" pitchFamily="50" charset="-128"/>
                 <a:ea typeface="BIZ UDPゴシック" panose="020B0400000000000000" pitchFamily="50" charset="-128"/>
               </a:rPr>
-              <a:t>iBMS</a:t>
+              <a:t>I</a:t>
             </a:r>
             <a:r>
-              <a:rPr lang="ja-JP" altLang="en-US" b="1" dirty="0">
+              <a:rPr lang="en-US" altLang="ja-JP" b="1" dirty="0" smtClean="0">
                 <a:latin typeface="BIZ UDPゴシック" panose="020B0400000000000000" pitchFamily="50" charset="-128"/>
                 <a:ea typeface="BIZ UDPゴシック" panose="020B0400000000000000" pitchFamily="50" charset="-128"/>
               </a:rPr>
-              <a:t>の課題</a:t>
+              <a:t>BMS</a:t>
+            </a:r>
+            <a:r>
+              <a:rPr lang="ja-JP" altLang="en-US" b="1" dirty="0" smtClean="0">
+                <a:latin typeface="BIZ UDPゴシック" panose="020B0400000000000000" pitchFamily="50" charset="-128"/>
+                <a:ea typeface="BIZ UDPゴシック" panose="020B0400000000000000" pitchFamily="50" charset="-128"/>
+              </a:rPr>
+              <a:t>の現状把握</a:t>
             </a:r>
             <a:endParaRPr lang="en-US" b="1" dirty="0">
               <a:latin typeface="BIZ UDPゴシック" panose="020B0400000000000000" pitchFamily="50" charset="-128"/>
@@ -29114,7 +29368,7 @@
         </p:nvGrpSpPr>
         <p:grpSpPr>
           <a:xfrm>
-            <a:off x="191344" y="1844824"/>
+            <a:off x="66548" y="1678433"/>
             <a:ext cx="3024334" cy="2273989"/>
             <a:chOff x="263352" y="1677251"/>
             <a:chExt cx="3024334" cy="2273989"/>
@@ -29964,7 +30218,7 @@
         </p:nvSpPr>
         <p:spPr>
           <a:xfrm>
-            <a:off x="888001" y="1524090"/>
+            <a:off x="763205" y="1357699"/>
             <a:ext cx="2279463" cy="292466"/>
           </a:xfrm>
           <a:prstGeom prst="rect">
@@ -30205,7 +30459,7 @@
         </p:nvCxnSpPr>
         <p:spPr>
           <a:xfrm>
-            <a:off x="2207567" y="2769972"/>
+            <a:off x="2082771" y="2603581"/>
             <a:ext cx="763389" cy="0"/>
           </a:xfrm>
           <a:prstGeom prst="line">
@@ -30241,7 +30495,7 @@
         </p:nvCxnSpPr>
         <p:spPr>
           <a:xfrm>
-            <a:off x="2589229" y="2426473"/>
+            <a:off x="2464433" y="2260082"/>
             <a:ext cx="0" cy="357591"/>
           </a:xfrm>
           <a:prstGeom prst="straightConnector1">
@@ -30283,7 +30537,7 @@
         </p:nvCxnSpPr>
         <p:spPr>
           <a:xfrm>
-            <a:off x="2207566" y="2955260"/>
+            <a:off x="2082770" y="2788869"/>
             <a:ext cx="763390" cy="0"/>
           </a:xfrm>
           <a:prstGeom prst="line">
@@ -30321,7 +30575,7 @@
         </p:nvCxnSpPr>
         <p:spPr>
           <a:xfrm>
-            <a:off x="2207567" y="3205267"/>
+            <a:off x="2082771" y="3038876"/>
             <a:ext cx="763389" cy="0"/>
           </a:xfrm>
           <a:prstGeom prst="line">
@@ -30359,7 +30613,7 @@
         </p:nvCxnSpPr>
         <p:spPr>
           <a:xfrm>
-            <a:off x="2593961" y="2955260"/>
+            <a:off x="2469165" y="2788869"/>
             <a:ext cx="0" cy="261301"/>
           </a:xfrm>
           <a:prstGeom prst="straightConnector1">
@@ -30659,7 +30913,7 @@
         </p:nvSpPr>
         <p:spPr>
           <a:xfrm>
-            <a:off x="2502904" y="2451989"/>
+            <a:off x="2378108" y="2285598"/>
             <a:ext cx="936104" cy="292466"/>
           </a:xfrm>
           <a:prstGeom prst="rect">
@@ -30900,7 +31154,7 @@
         </p:nvSpPr>
         <p:spPr>
           <a:xfrm>
-            <a:off x="2512910" y="2948501"/>
+            <a:off x="2388114" y="2782110"/>
             <a:ext cx="936104" cy="292466"/>
           </a:xfrm>
           <a:prstGeom prst="rect">
@@ -31140,13 +31394,13 @@
           <p:nvPr>
             <p:extLst>
               <p:ext uri="{D42A27DB-BD31-4B8C-83A1-F6EECF244321}">
-                <p14:modId xmlns:p14="http://schemas.microsoft.com/office/powerpoint/2010/main" val="790921175"/>
+                <p14:modId xmlns:p14="http://schemas.microsoft.com/office/powerpoint/2010/main" val="3176475016"/>
               </p:ext>
             </p:extLst>
           </p:nvPr>
         </p:nvGraphicFramePr>
         <p:xfrm>
-          <a:off x="3599307" y="1888170"/>
+          <a:off x="3359696" y="1919355"/>
           <a:ext cx="10515601" cy="681454"/>
         </p:xfrm>
         <a:graphic>
@@ -34075,6 +34329,1532 @@
           </a:graphicData>
         </a:graphic>
       </p:graphicFrame>
+      <p:grpSp>
+        <p:nvGrpSpPr>
+          <p:cNvPr id="37" name="グループ化 36">
+            <a:extLst>
+              <a:ext uri="{FF2B5EF4-FFF2-40B4-BE49-F238E27FC236}">
+                <a16:creationId xmlns:a16="http://schemas.microsoft.com/office/drawing/2014/main" id="{192346ED-0D32-4818-BCC2-EC12252D17AE}"/>
+              </a:ext>
+            </a:extLst>
+          </p:cNvPr>
+          <p:cNvGrpSpPr/>
+          <p:nvPr/>
+        </p:nvGrpSpPr>
+        <p:grpSpPr>
+          <a:xfrm>
+            <a:off x="4203224" y="3561770"/>
+            <a:ext cx="3024334" cy="2273989"/>
+            <a:chOff x="263352" y="1677251"/>
+            <a:chExt cx="3024334" cy="2273989"/>
+          </a:xfrm>
+        </p:grpSpPr>
+        <p:cxnSp>
+          <p:nvCxnSpPr>
+            <p:cNvPr id="38" name="直線矢印コネクタ 37">
+              <a:extLst>
+                <a:ext uri="{FF2B5EF4-FFF2-40B4-BE49-F238E27FC236}">
+                  <a16:creationId xmlns:a16="http://schemas.microsoft.com/office/drawing/2014/main" id="{153CEF12-91B2-4A30-ACBB-B9695674F0AF}"/>
+                </a:ext>
+              </a:extLst>
+            </p:cNvPr>
+            <p:cNvCxnSpPr/>
+            <p:nvPr/>
+          </p:nvCxnSpPr>
+          <p:spPr>
+            <a:xfrm flipV="1">
+              <a:off x="970287" y="1700808"/>
+              <a:ext cx="0" cy="2160240"/>
+            </a:xfrm>
+            <a:prstGeom prst="straightConnector1">
+              <a:avLst/>
+            </a:prstGeom>
+            <a:ln w="19050">
+              <a:solidFill>
+                <a:schemeClr val="tx1"/>
+              </a:solidFill>
+              <a:tailEnd type="triangle"/>
+            </a:ln>
+          </p:spPr>
+          <p:style>
+            <a:lnRef idx="1">
+              <a:schemeClr val="accent1"/>
+            </a:lnRef>
+            <a:fillRef idx="0">
+              <a:schemeClr val="accent1"/>
+            </a:fillRef>
+            <a:effectRef idx="0">
+              <a:schemeClr val="accent1"/>
+            </a:effectRef>
+            <a:fontRef idx="minor">
+              <a:schemeClr val="tx1"/>
+            </a:fontRef>
+          </p:style>
+        </p:cxnSp>
+        <p:cxnSp>
+          <p:nvCxnSpPr>
+            <p:cNvPr id="40" name="直線矢印コネクタ 39">
+              <a:extLst>
+                <a:ext uri="{FF2B5EF4-FFF2-40B4-BE49-F238E27FC236}">
+                  <a16:creationId xmlns:a16="http://schemas.microsoft.com/office/drawing/2014/main" id="{0E055368-6883-494C-ABB9-E09377667178}"/>
+                </a:ext>
+              </a:extLst>
+            </p:cNvPr>
+            <p:cNvCxnSpPr>
+              <a:cxnSpLocks/>
+            </p:cNvCxnSpPr>
+            <p:nvPr/>
+          </p:nvCxnSpPr>
+          <p:spPr>
+            <a:xfrm>
+              <a:off x="776692" y="3645024"/>
+              <a:ext cx="2376264" cy="0"/>
+            </a:xfrm>
+            <a:prstGeom prst="straightConnector1">
+              <a:avLst/>
+            </a:prstGeom>
+            <a:ln w="19050">
+              <a:solidFill>
+                <a:schemeClr val="tx1"/>
+              </a:solidFill>
+              <a:tailEnd type="triangle"/>
+            </a:ln>
+          </p:spPr>
+          <p:style>
+            <a:lnRef idx="1">
+              <a:schemeClr val="accent1"/>
+            </a:lnRef>
+            <a:fillRef idx="0">
+              <a:schemeClr val="accent1"/>
+            </a:fillRef>
+            <a:effectRef idx="0">
+              <a:schemeClr val="accent1"/>
+            </a:effectRef>
+            <a:fontRef idx="minor">
+              <a:schemeClr val="tx1"/>
+            </a:fontRef>
+          </p:style>
+        </p:cxnSp>
+        <p:sp>
+          <p:nvSpPr>
+            <p:cNvPr id="41" name="Espace réservé du contenu 5">
+              <a:extLst>
+                <a:ext uri="{FF2B5EF4-FFF2-40B4-BE49-F238E27FC236}">
+                  <a16:creationId xmlns:a16="http://schemas.microsoft.com/office/drawing/2014/main" id="{AEA3CBFC-EFC5-4DBF-B660-2DBC1AEE8F6B}"/>
+                </a:ext>
+              </a:extLst>
+            </p:cNvPr>
+            <p:cNvSpPr txBox="1">
+              <a:spLocks/>
+            </p:cNvSpPr>
+            <p:nvPr/>
+          </p:nvSpPr>
+          <p:spPr>
+            <a:xfrm>
+              <a:off x="263352" y="1677251"/>
+              <a:ext cx="792088" cy="719993"/>
+            </a:xfrm>
+            <a:prstGeom prst="rect">
+              <a:avLst/>
+            </a:prstGeom>
+          </p:spPr>
+          <p:txBody>
+            <a:bodyPr/>
+            <a:lstStyle>
+              <a:lvl1pPr marL="0" indent="0" algn="l" defTabSz="914400" rtl="0" eaLnBrk="1" latinLnBrk="0" hangingPunct="1">
+                <a:lnSpc>
+                  <a:spcPct val="100000"/>
+                </a:lnSpc>
+                <a:spcBef>
+                  <a:spcPts val="1000"/>
+                </a:spcBef>
+                <a:buFont typeface="Arial" panose="020B0604020202020204" pitchFamily="34" charset="0"/>
+                <a:buNone/>
+                <a:defRPr lang="fr-FR" sz="2400" b="1" kern="1200" dirty="0" smtClean="0">
+                  <a:solidFill>
+                    <a:schemeClr val="tx1"/>
+                  </a:solidFill>
+                  <a:latin typeface="Segoe UI Semilight" panose="020B0402040204020203" pitchFamily="34" charset="0"/>
+                  <a:ea typeface="+mn-ea"/>
+                  <a:cs typeface="Segoe UI Semilight" panose="020B0402040204020203" pitchFamily="34" charset="0"/>
+                </a:defRPr>
+              </a:lvl1pPr>
+              <a:lvl2pPr marL="685800" indent="-228600" algn="l" defTabSz="914400" rtl="0" eaLnBrk="1" latinLnBrk="0" hangingPunct="1">
+                <a:lnSpc>
+                  <a:spcPct val="150000"/>
+                </a:lnSpc>
+                <a:spcBef>
+                  <a:spcPts val="500"/>
+                </a:spcBef>
+                <a:buFont typeface="Arial" panose="020B0604020202020204" pitchFamily="34" charset="0"/>
+                <a:buChar char="•"/>
+                <a:defRPr lang="fr-FR" sz="2400" kern="1200" dirty="0" smtClean="0">
+                  <a:solidFill>
+                    <a:schemeClr val="tx1"/>
+                  </a:solidFill>
+                  <a:latin typeface="Segoe UI" panose="020B0502040204020203" pitchFamily="34" charset="0"/>
+                  <a:ea typeface="+mn-ea"/>
+                  <a:cs typeface="Segoe UI" panose="020B0502040204020203" pitchFamily="34" charset="0"/>
+                </a:defRPr>
+              </a:lvl2pPr>
+              <a:lvl3pPr marL="1143000" indent="-228600" algn="l" defTabSz="914400" rtl="0" eaLnBrk="1" latinLnBrk="0" hangingPunct="1">
+                <a:lnSpc>
+                  <a:spcPct val="90000"/>
+                </a:lnSpc>
+                <a:spcBef>
+                  <a:spcPts val="500"/>
+                </a:spcBef>
+                <a:buFont typeface="Arial" panose="020B0604020202020204" pitchFamily="34" charset="0"/>
+                <a:buChar char="•"/>
+                <a:defRPr lang="fr-FR" sz="2000" kern="1200" dirty="0" smtClean="0">
+                  <a:solidFill>
+                    <a:schemeClr val="tx1"/>
+                  </a:solidFill>
+                  <a:latin typeface="Segoe UI" panose="020B0502040204020203" pitchFamily="34" charset="0"/>
+                  <a:ea typeface="+mn-ea"/>
+                  <a:cs typeface="Segoe UI" panose="020B0502040204020203" pitchFamily="34" charset="0"/>
+                </a:defRPr>
+              </a:lvl3pPr>
+              <a:lvl4pPr marL="1600200" indent="-228600" algn="l" defTabSz="914400" rtl="0" eaLnBrk="1" latinLnBrk="0" hangingPunct="1">
+                <a:lnSpc>
+                  <a:spcPct val="90000"/>
+                </a:lnSpc>
+                <a:spcBef>
+                  <a:spcPts val="500"/>
+                </a:spcBef>
+                <a:buFont typeface="Arial" panose="020B0604020202020204" pitchFamily="34" charset="0"/>
+                <a:buChar char="•"/>
+                <a:defRPr lang="fr-FR" sz="1800" kern="1200" dirty="0" smtClean="0">
+                  <a:solidFill>
+                    <a:schemeClr val="tx1"/>
+                  </a:solidFill>
+                  <a:latin typeface="Segoe UI" panose="020B0502040204020203" pitchFamily="34" charset="0"/>
+                  <a:ea typeface="+mn-ea"/>
+                  <a:cs typeface="Segoe UI" panose="020B0502040204020203" pitchFamily="34" charset="0"/>
+                </a:defRPr>
+              </a:lvl4pPr>
+              <a:lvl5pPr marL="2057400" indent="-228600" algn="l" defTabSz="914400" rtl="0" eaLnBrk="1" latinLnBrk="0" hangingPunct="1">
+                <a:lnSpc>
+                  <a:spcPct val="90000"/>
+                </a:lnSpc>
+                <a:spcBef>
+                  <a:spcPts val="500"/>
+                </a:spcBef>
+                <a:buFont typeface="Arial" panose="020B0604020202020204" pitchFamily="34" charset="0"/>
+                <a:buChar char="•"/>
+                <a:defRPr lang="fr-FR" sz="2400" kern="1200" dirty="0">
+                  <a:solidFill>
+                    <a:schemeClr val="tx1"/>
+                  </a:solidFill>
+                  <a:latin typeface="Segoe UI" panose="020B0502040204020203" pitchFamily="34" charset="0"/>
+                  <a:ea typeface="+mn-ea"/>
+                  <a:cs typeface="Segoe UI" panose="020B0502040204020203" pitchFamily="34" charset="0"/>
+                </a:defRPr>
+              </a:lvl5pPr>
+              <a:lvl6pPr marL="2514600" indent="-228600" algn="l" defTabSz="914400" rtl="0" eaLnBrk="1" latinLnBrk="0" hangingPunct="1">
+                <a:lnSpc>
+                  <a:spcPct val="90000"/>
+                </a:lnSpc>
+                <a:spcBef>
+                  <a:spcPts val="500"/>
+                </a:spcBef>
+                <a:buFont typeface="Arial" panose="020B0604020202020204" pitchFamily="34" charset="0"/>
+                <a:buChar char="•"/>
+                <a:defRPr sz="1800" kern="1200">
+                  <a:solidFill>
+                    <a:schemeClr val="tx1"/>
+                  </a:solidFill>
+                  <a:latin typeface="+mn-lt"/>
+                  <a:ea typeface="+mn-ea"/>
+                  <a:cs typeface="+mn-cs"/>
+                </a:defRPr>
+              </a:lvl6pPr>
+              <a:lvl7pPr marL="2971800" indent="-228600" algn="l" defTabSz="914400" rtl="0" eaLnBrk="1" latinLnBrk="0" hangingPunct="1">
+                <a:lnSpc>
+                  <a:spcPct val="90000"/>
+                </a:lnSpc>
+                <a:spcBef>
+                  <a:spcPts val="500"/>
+                </a:spcBef>
+                <a:buFont typeface="Arial" panose="020B0604020202020204" pitchFamily="34" charset="0"/>
+                <a:buChar char="•"/>
+                <a:defRPr sz="1800" kern="1200">
+                  <a:solidFill>
+                    <a:schemeClr val="tx1"/>
+                  </a:solidFill>
+                  <a:latin typeface="+mn-lt"/>
+                  <a:ea typeface="+mn-ea"/>
+                  <a:cs typeface="+mn-cs"/>
+                </a:defRPr>
+              </a:lvl7pPr>
+              <a:lvl8pPr marL="3429000" indent="-228600" algn="l" defTabSz="914400" rtl="0" eaLnBrk="1" latinLnBrk="0" hangingPunct="1">
+                <a:lnSpc>
+                  <a:spcPct val="90000"/>
+                </a:lnSpc>
+                <a:spcBef>
+                  <a:spcPts val="500"/>
+                </a:spcBef>
+                <a:buFont typeface="Arial" panose="020B0604020202020204" pitchFamily="34" charset="0"/>
+                <a:buChar char="•"/>
+                <a:defRPr sz="1800" kern="1200">
+                  <a:solidFill>
+                    <a:schemeClr val="tx1"/>
+                  </a:solidFill>
+                  <a:latin typeface="+mn-lt"/>
+                  <a:ea typeface="+mn-ea"/>
+                  <a:cs typeface="+mn-cs"/>
+                </a:defRPr>
+              </a:lvl8pPr>
+              <a:lvl9pPr marL="3886200" indent="-228600" algn="l" defTabSz="914400" rtl="0" eaLnBrk="1" latinLnBrk="0" hangingPunct="1">
+                <a:lnSpc>
+                  <a:spcPct val="90000"/>
+                </a:lnSpc>
+                <a:spcBef>
+                  <a:spcPts val="500"/>
+                </a:spcBef>
+                <a:buFont typeface="Arial" panose="020B0604020202020204" pitchFamily="34" charset="0"/>
+                <a:buChar char="•"/>
+                <a:defRPr sz="1800" kern="1200">
+                  <a:solidFill>
+                    <a:schemeClr val="tx1"/>
+                  </a:solidFill>
+                  <a:latin typeface="+mn-lt"/>
+                  <a:ea typeface="+mn-ea"/>
+                  <a:cs typeface="+mn-cs"/>
+                </a:defRPr>
+              </a:lvl9pPr>
+            </a:lstStyle>
+            <a:p>
+              <a:pPr marL="0" marR="0" lvl="0" indent="0" algn="ctr" defTabSz="914400" rtl="0" eaLnBrk="1" fontAlgn="auto" latinLnBrk="0" hangingPunct="1">
+                <a:lnSpc>
+                  <a:spcPts val="1400"/>
+                </a:lnSpc>
+                <a:spcBef>
+                  <a:spcPts val="0"/>
+                </a:spcBef>
+                <a:spcAft>
+                  <a:spcPts val="0"/>
+                </a:spcAft>
+                <a:buClrTx/>
+                <a:buSzTx/>
+                <a:buFont typeface="Arial" panose="020B0604020202020204" pitchFamily="34" charset="0"/>
+                <a:buNone/>
+                <a:tabLst/>
+                <a:defRPr/>
+              </a:pPr>
+              <a:r>
+                <a:rPr kumimoji="0" lang="en-US" altLang="ja-JP" sz="1200" b="0" i="0" u="none" strike="noStrike" kern="1200" cap="none" spc="0" normalizeH="0" baseline="0" noProof="0" dirty="0">
+                  <a:ln>
+                    <a:noFill/>
+                  </a:ln>
+                  <a:solidFill>
+                    <a:prstClr val="black"/>
+                  </a:solidFill>
+                  <a:effectLst/>
+                  <a:uLnTx/>
+                  <a:uFillTx/>
+                  <a:latin typeface="BIZ UDPゴシック" panose="020B0400000000000000" pitchFamily="50" charset="-128"/>
+                  <a:ea typeface="BIZ UDPゴシック" panose="020B0400000000000000" pitchFamily="50" charset="-128"/>
+                  <a:cs typeface="Segoe UI Semilight" panose="020B0402040204020203" pitchFamily="34" charset="0"/>
+                </a:rPr>
+                <a:t>(</a:t>
+              </a:r>
+              <a:r>
+                <a:rPr kumimoji="0" lang="ja-JP" altLang="en-US" sz="1200" b="0" i="0" u="none" strike="noStrike" kern="1200" cap="none" spc="0" normalizeH="0" baseline="0" noProof="0" dirty="0">
+                  <a:ln>
+                    <a:noFill/>
+                  </a:ln>
+                  <a:solidFill>
+                    <a:prstClr val="black"/>
+                  </a:solidFill>
+                  <a:effectLst/>
+                  <a:uLnTx/>
+                  <a:uFillTx/>
+                  <a:latin typeface="BIZ UDPゴシック" panose="020B0400000000000000" pitchFamily="50" charset="-128"/>
+                  <a:ea typeface="BIZ UDPゴシック" panose="020B0400000000000000" pitchFamily="50" charset="-128"/>
+                  <a:cs typeface="Segoe UI Semilight" panose="020B0402040204020203" pitchFamily="34" charset="0"/>
+                </a:rPr>
+                <a:t>高・多</a:t>
+              </a:r>
+              <a:r>
+                <a:rPr kumimoji="0" lang="en-US" altLang="ja-JP" sz="1200" b="0" i="0" u="none" strike="noStrike" kern="1200" cap="none" spc="0" normalizeH="0" baseline="0" noProof="0" dirty="0">
+                  <a:ln>
+                    <a:noFill/>
+                  </a:ln>
+                  <a:solidFill>
+                    <a:prstClr val="black"/>
+                  </a:solidFill>
+                  <a:effectLst/>
+                  <a:uLnTx/>
+                  <a:uFillTx/>
+                  <a:latin typeface="BIZ UDPゴシック" panose="020B0400000000000000" pitchFamily="50" charset="-128"/>
+                  <a:ea typeface="BIZ UDPゴシック" panose="020B0400000000000000" pitchFamily="50" charset="-128"/>
+                  <a:cs typeface="Segoe UI Semilight" panose="020B0402040204020203" pitchFamily="34" charset="0"/>
+                </a:rPr>
+                <a:t>)</a:t>
+              </a:r>
+            </a:p>
+            <a:p>
+              <a:pPr marL="0" marR="0" lvl="0" indent="0" algn="ctr" defTabSz="914400" rtl="0" eaLnBrk="1" fontAlgn="auto" latinLnBrk="0" hangingPunct="1">
+                <a:lnSpc>
+                  <a:spcPts val="1400"/>
+                </a:lnSpc>
+                <a:spcBef>
+                  <a:spcPts val="0"/>
+                </a:spcBef>
+                <a:spcAft>
+                  <a:spcPts val="0"/>
+                </a:spcAft>
+                <a:buClrTx/>
+                <a:buSzTx/>
+                <a:buFont typeface="Arial" panose="020B0604020202020204" pitchFamily="34" charset="0"/>
+                <a:buNone/>
+                <a:tabLst/>
+                <a:defRPr/>
+              </a:pPr>
+              <a:r>
+                <a:rPr kumimoji="0" lang="ja-JP" altLang="en-US" sz="1200" b="0" i="0" u="none" strike="noStrike" kern="1200" cap="none" spc="0" normalizeH="0" baseline="0" noProof="0" dirty="0">
+                  <a:ln>
+                    <a:noFill/>
+                  </a:ln>
+                  <a:solidFill>
+                    <a:prstClr val="black"/>
+                  </a:solidFill>
+                  <a:effectLst/>
+                  <a:uLnTx/>
+                  <a:uFillTx/>
+                  <a:latin typeface="BIZ UDPゴシック" panose="020B0400000000000000" pitchFamily="50" charset="-128"/>
+                  <a:ea typeface="BIZ UDPゴシック" panose="020B0400000000000000" pitchFamily="50" charset="-128"/>
+                  <a:cs typeface="Segoe UI Semilight" panose="020B0402040204020203" pitchFamily="34" charset="0"/>
+                </a:rPr>
+                <a:t>機能</a:t>
+              </a:r>
+              <a:endParaRPr kumimoji="0" lang="en-US" sz="1200" b="0" i="0" u="none" strike="noStrike" kern="1200" cap="none" spc="0" normalizeH="0" baseline="0" noProof="0" dirty="0">
+                <a:ln>
+                  <a:noFill/>
+                </a:ln>
+                <a:solidFill>
+                  <a:prstClr val="black"/>
+                </a:solidFill>
+                <a:effectLst/>
+                <a:uLnTx/>
+                <a:uFillTx/>
+                <a:latin typeface="BIZ UDPゴシック" panose="020B0400000000000000" pitchFamily="50" charset="-128"/>
+                <a:ea typeface="BIZ UDPゴシック" panose="020B0400000000000000" pitchFamily="50" charset="-128"/>
+                <a:cs typeface="Segoe UI Semilight" panose="020B0402040204020203" pitchFamily="34" charset="0"/>
+              </a:endParaRPr>
+            </a:p>
+          </p:txBody>
+        </p:sp>
+        <p:sp>
+          <p:nvSpPr>
+            <p:cNvPr id="42" name="Espace réservé du contenu 5">
+              <a:extLst>
+                <a:ext uri="{FF2B5EF4-FFF2-40B4-BE49-F238E27FC236}">
+                  <a16:creationId xmlns:a16="http://schemas.microsoft.com/office/drawing/2014/main" id="{92EEFFF6-367A-4FE0-B11C-AB4847CFF180}"/>
+                </a:ext>
+              </a:extLst>
+            </p:cNvPr>
+            <p:cNvSpPr txBox="1">
+              <a:spLocks/>
+            </p:cNvSpPr>
+            <p:nvPr/>
+          </p:nvSpPr>
+          <p:spPr>
+            <a:xfrm>
+              <a:off x="2351584" y="3658774"/>
+              <a:ext cx="936102" cy="292466"/>
+            </a:xfrm>
+            <a:prstGeom prst="rect">
+              <a:avLst/>
+            </a:prstGeom>
+          </p:spPr>
+          <p:txBody>
+            <a:bodyPr/>
+            <a:lstStyle>
+              <a:lvl1pPr marL="0" indent="0" algn="l" defTabSz="914400" rtl="0" eaLnBrk="1" latinLnBrk="0" hangingPunct="1">
+                <a:lnSpc>
+                  <a:spcPct val="100000"/>
+                </a:lnSpc>
+                <a:spcBef>
+                  <a:spcPts val="1000"/>
+                </a:spcBef>
+                <a:buFont typeface="Arial" panose="020B0604020202020204" pitchFamily="34" charset="0"/>
+                <a:buNone/>
+                <a:defRPr lang="fr-FR" sz="2400" b="1" kern="1200" dirty="0" smtClean="0">
+                  <a:solidFill>
+                    <a:schemeClr val="tx1"/>
+                  </a:solidFill>
+                  <a:latin typeface="Segoe UI Semilight" panose="020B0402040204020203" pitchFamily="34" charset="0"/>
+                  <a:ea typeface="+mn-ea"/>
+                  <a:cs typeface="Segoe UI Semilight" panose="020B0402040204020203" pitchFamily="34" charset="0"/>
+                </a:defRPr>
+              </a:lvl1pPr>
+              <a:lvl2pPr marL="685800" indent="-228600" algn="l" defTabSz="914400" rtl="0" eaLnBrk="1" latinLnBrk="0" hangingPunct="1">
+                <a:lnSpc>
+                  <a:spcPct val="150000"/>
+                </a:lnSpc>
+                <a:spcBef>
+                  <a:spcPts val="500"/>
+                </a:spcBef>
+                <a:buFont typeface="Arial" panose="020B0604020202020204" pitchFamily="34" charset="0"/>
+                <a:buChar char="•"/>
+                <a:defRPr lang="fr-FR" sz="2400" kern="1200" dirty="0" smtClean="0">
+                  <a:solidFill>
+                    <a:schemeClr val="tx1"/>
+                  </a:solidFill>
+                  <a:latin typeface="Segoe UI" panose="020B0502040204020203" pitchFamily="34" charset="0"/>
+                  <a:ea typeface="+mn-ea"/>
+                  <a:cs typeface="Segoe UI" panose="020B0502040204020203" pitchFamily="34" charset="0"/>
+                </a:defRPr>
+              </a:lvl2pPr>
+              <a:lvl3pPr marL="1143000" indent="-228600" algn="l" defTabSz="914400" rtl="0" eaLnBrk="1" latinLnBrk="0" hangingPunct="1">
+                <a:lnSpc>
+                  <a:spcPct val="90000"/>
+                </a:lnSpc>
+                <a:spcBef>
+                  <a:spcPts val="500"/>
+                </a:spcBef>
+                <a:buFont typeface="Arial" panose="020B0604020202020204" pitchFamily="34" charset="0"/>
+                <a:buChar char="•"/>
+                <a:defRPr lang="fr-FR" sz="2000" kern="1200" dirty="0" smtClean="0">
+                  <a:solidFill>
+                    <a:schemeClr val="tx1"/>
+                  </a:solidFill>
+                  <a:latin typeface="Segoe UI" panose="020B0502040204020203" pitchFamily="34" charset="0"/>
+                  <a:ea typeface="+mn-ea"/>
+                  <a:cs typeface="Segoe UI" panose="020B0502040204020203" pitchFamily="34" charset="0"/>
+                </a:defRPr>
+              </a:lvl3pPr>
+              <a:lvl4pPr marL="1600200" indent="-228600" algn="l" defTabSz="914400" rtl="0" eaLnBrk="1" latinLnBrk="0" hangingPunct="1">
+                <a:lnSpc>
+                  <a:spcPct val="90000"/>
+                </a:lnSpc>
+                <a:spcBef>
+                  <a:spcPts val="500"/>
+                </a:spcBef>
+                <a:buFont typeface="Arial" panose="020B0604020202020204" pitchFamily="34" charset="0"/>
+                <a:buChar char="•"/>
+                <a:defRPr lang="fr-FR" sz="1800" kern="1200" dirty="0" smtClean="0">
+                  <a:solidFill>
+                    <a:schemeClr val="tx1"/>
+                  </a:solidFill>
+                  <a:latin typeface="Segoe UI" panose="020B0502040204020203" pitchFamily="34" charset="0"/>
+                  <a:ea typeface="+mn-ea"/>
+                  <a:cs typeface="Segoe UI" panose="020B0502040204020203" pitchFamily="34" charset="0"/>
+                </a:defRPr>
+              </a:lvl4pPr>
+              <a:lvl5pPr marL="2057400" indent="-228600" algn="l" defTabSz="914400" rtl="0" eaLnBrk="1" latinLnBrk="0" hangingPunct="1">
+                <a:lnSpc>
+                  <a:spcPct val="90000"/>
+                </a:lnSpc>
+                <a:spcBef>
+                  <a:spcPts val="500"/>
+                </a:spcBef>
+                <a:buFont typeface="Arial" panose="020B0604020202020204" pitchFamily="34" charset="0"/>
+                <a:buChar char="•"/>
+                <a:defRPr lang="fr-FR" sz="2400" kern="1200" dirty="0">
+                  <a:solidFill>
+                    <a:schemeClr val="tx1"/>
+                  </a:solidFill>
+                  <a:latin typeface="Segoe UI" panose="020B0502040204020203" pitchFamily="34" charset="0"/>
+                  <a:ea typeface="+mn-ea"/>
+                  <a:cs typeface="Segoe UI" panose="020B0502040204020203" pitchFamily="34" charset="0"/>
+                </a:defRPr>
+              </a:lvl5pPr>
+              <a:lvl6pPr marL="2514600" indent="-228600" algn="l" defTabSz="914400" rtl="0" eaLnBrk="1" latinLnBrk="0" hangingPunct="1">
+                <a:lnSpc>
+                  <a:spcPct val="90000"/>
+                </a:lnSpc>
+                <a:spcBef>
+                  <a:spcPts val="500"/>
+                </a:spcBef>
+                <a:buFont typeface="Arial" panose="020B0604020202020204" pitchFamily="34" charset="0"/>
+                <a:buChar char="•"/>
+                <a:defRPr sz="1800" kern="1200">
+                  <a:solidFill>
+                    <a:schemeClr val="tx1"/>
+                  </a:solidFill>
+                  <a:latin typeface="+mn-lt"/>
+                  <a:ea typeface="+mn-ea"/>
+                  <a:cs typeface="+mn-cs"/>
+                </a:defRPr>
+              </a:lvl6pPr>
+              <a:lvl7pPr marL="2971800" indent="-228600" algn="l" defTabSz="914400" rtl="0" eaLnBrk="1" latinLnBrk="0" hangingPunct="1">
+                <a:lnSpc>
+                  <a:spcPct val="90000"/>
+                </a:lnSpc>
+                <a:spcBef>
+                  <a:spcPts val="500"/>
+                </a:spcBef>
+                <a:buFont typeface="Arial" panose="020B0604020202020204" pitchFamily="34" charset="0"/>
+                <a:buChar char="•"/>
+                <a:defRPr sz="1800" kern="1200">
+                  <a:solidFill>
+                    <a:schemeClr val="tx1"/>
+                  </a:solidFill>
+                  <a:latin typeface="+mn-lt"/>
+                  <a:ea typeface="+mn-ea"/>
+                  <a:cs typeface="+mn-cs"/>
+                </a:defRPr>
+              </a:lvl7pPr>
+              <a:lvl8pPr marL="3429000" indent="-228600" algn="l" defTabSz="914400" rtl="0" eaLnBrk="1" latinLnBrk="0" hangingPunct="1">
+                <a:lnSpc>
+                  <a:spcPct val="90000"/>
+                </a:lnSpc>
+                <a:spcBef>
+                  <a:spcPts val="500"/>
+                </a:spcBef>
+                <a:buFont typeface="Arial" panose="020B0604020202020204" pitchFamily="34" charset="0"/>
+                <a:buChar char="•"/>
+                <a:defRPr sz="1800" kern="1200">
+                  <a:solidFill>
+                    <a:schemeClr val="tx1"/>
+                  </a:solidFill>
+                  <a:latin typeface="+mn-lt"/>
+                  <a:ea typeface="+mn-ea"/>
+                  <a:cs typeface="+mn-cs"/>
+                </a:defRPr>
+              </a:lvl8pPr>
+              <a:lvl9pPr marL="3886200" indent="-228600" algn="l" defTabSz="914400" rtl="0" eaLnBrk="1" latinLnBrk="0" hangingPunct="1">
+                <a:lnSpc>
+                  <a:spcPct val="90000"/>
+                </a:lnSpc>
+                <a:spcBef>
+                  <a:spcPts val="500"/>
+                </a:spcBef>
+                <a:buFont typeface="Arial" panose="020B0604020202020204" pitchFamily="34" charset="0"/>
+                <a:buChar char="•"/>
+                <a:defRPr sz="1800" kern="1200">
+                  <a:solidFill>
+                    <a:schemeClr val="tx1"/>
+                  </a:solidFill>
+                  <a:latin typeface="+mn-lt"/>
+                  <a:ea typeface="+mn-ea"/>
+                  <a:cs typeface="+mn-cs"/>
+                </a:defRPr>
+              </a:lvl9pPr>
+            </a:lstStyle>
+            <a:p>
+              <a:pPr marL="0" marR="0" lvl="0" indent="0" algn="l" defTabSz="914400" rtl="0" eaLnBrk="1" fontAlgn="auto" latinLnBrk="0" hangingPunct="1">
+                <a:lnSpc>
+                  <a:spcPts val="1800"/>
+                </a:lnSpc>
+                <a:spcBef>
+                  <a:spcPts val="0"/>
+                </a:spcBef>
+                <a:spcAft>
+                  <a:spcPts val="0"/>
+                </a:spcAft>
+                <a:buClrTx/>
+                <a:buSzTx/>
+                <a:buFont typeface="Arial" panose="020B0604020202020204" pitchFamily="34" charset="0"/>
+                <a:buNone/>
+                <a:tabLst/>
+                <a:defRPr/>
+              </a:pPr>
+              <a:r>
+                <a:rPr kumimoji="0" lang="ja-JP" altLang="en-US" sz="1200" b="0" i="0" u="none" strike="noStrike" kern="1200" cap="none" spc="0" normalizeH="0" baseline="0" noProof="0" dirty="0">
+                  <a:ln>
+                    <a:noFill/>
+                  </a:ln>
+                  <a:solidFill>
+                    <a:prstClr val="black"/>
+                  </a:solidFill>
+                  <a:effectLst/>
+                  <a:uLnTx/>
+                  <a:uFillTx/>
+                  <a:latin typeface="BIZ UDPゴシック" panose="020B0400000000000000" pitchFamily="50" charset="-128"/>
+                  <a:ea typeface="BIZ UDPゴシック" panose="020B0400000000000000" pitchFamily="50" charset="-128"/>
+                  <a:cs typeface="Segoe UI Semilight" panose="020B0402040204020203" pitchFamily="34" charset="0"/>
+                </a:rPr>
+                <a:t>コスト</a:t>
+              </a:r>
+              <a:r>
+                <a:rPr kumimoji="0" lang="en-US" altLang="ja-JP" sz="1200" b="0" i="0" u="none" strike="noStrike" kern="1200" cap="none" spc="0" normalizeH="0" baseline="0" noProof="0" dirty="0">
+                  <a:ln>
+                    <a:noFill/>
+                  </a:ln>
+                  <a:solidFill>
+                    <a:prstClr val="black"/>
+                  </a:solidFill>
+                  <a:effectLst/>
+                  <a:uLnTx/>
+                  <a:uFillTx/>
+                  <a:latin typeface="BIZ UDPゴシック" panose="020B0400000000000000" pitchFamily="50" charset="-128"/>
+                  <a:ea typeface="BIZ UDPゴシック" panose="020B0400000000000000" pitchFamily="50" charset="-128"/>
+                  <a:cs typeface="Segoe UI Semilight" panose="020B0402040204020203" pitchFamily="34" charset="0"/>
+                </a:rPr>
+                <a:t>(</a:t>
+              </a:r>
+              <a:r>
+                <a:rPr kumimoji="0" lang="ja-JP" altLang="en-US" sz="1200" b="0" i="0" u="none" strike="noStrike" kern="1200" cap="none" spc="0" normalizeH="0" baseline="0" noProof="0" dirty="0">
+                  <a:ln>
+                    <a:noFill/>
+                  </a:ln>
+                  <a:solidFill>
+                    <a:prstClr val="black"/>
+                  </a:solidFill>
+                  <a:effectLst/>
+                  <a:uLnTx/>
+                  <a:uFillTx/>
+                  <a:latin typeface="BIZ UDPゴシック" panose="020B0400000000000000" pitchFamily="50" charset="-128"/>
+                  <a:ea typeface="BIZ UDPゴシック" panose="020B0400000000000000" pitchFamily="50" charset="-128"/>
+                  <a:cs typeface="Segoe UI Semilight" panose="020B0402040204020203" pitchFamily="34" charset="0"/>
+                </a:rPr>
+                <a:t>高</a:t>
+              </a:r>
+              <a:r>
+                <a:rPr kumimoji="0" lang="en-US" altLang="ja-JP" sz="1200" b="0" i="0" u="none" strike="noStrike" kern="1200" cap="none" spc="0" normalizeH="0" baseline="0" noProof="0" dirty="0">
+                  <a:ln>
+                    <a:noFill/>
+                  </a:ln>
+                  <a:solidFill>
+                    <a:prstClr val="black"/>
+                  </a:solidFill>
+                  <a:effectLst/>
+                  <a:uLnTx/>
+                  <a:uFillTx/>
+                  <a:latin typeface="BIZ UDPゴシック" panose="020B0400000000000000" pitchFamily="50" charset="-128"/>
+                  <a:ea typeface="BIZ UDPゴシック" panose="020B0400000000000000" pitchFamily="50" charset="-128"/>
+                  <a:cs typeface="Segoe UI Semilight" panose="020B0402040204020203" pitchFamily="34" charset="0"/>
+                </a:rPr>
+                <a:t>)</a:t>
+              </a:r>
+              <a:endParaRPr kumimoji="0" lang="en-US" sz="1200" b="0" i="0" u="none" strike="noStrike" kern="1200" cap="none" spc="0" normalizeH="0" baseline="0" noProof="0" dirty="0">
+                <a:ln>
+                  <a:noFill/>
+                </a:ln>
+                <a:solidFill>
+                  <a:prstClr val="black"/>
+                </a:solidFill>
+                <a:effectLst/>
+                <a:uLnTx/>
+                <a:uFillTx/>
+                <a:latin typeface="BIZ UDPゴシック" panose="020B0400000000000000" pitchFamily="50" charset="-128"/>
+                <a:ea typeface="BIZ UDPゴシック" panose="020B0400000000000000" pitchFamily="50" charset="-128"/>
+                <a:cs typeface="Segoe UI Semilight" panose="020B0402040204020203" pitchFamily="34" charset="0"/>
+              </a:endParaRPr>
+            </a:p>
+          </p:txBody>
+        </p:sp>
+        <p:pic>
+          <p:nvPicPr>
+            <p:cNvPr id="45" name="図 44">
+              <a:extLst>
+                <a:ext uri="{FF2B5EF4-FFF2-40B4-BE49-F238E27FC236}">
+                  <a16:creationId xmlns:a16="http://schemas.microsoft.com/office/drawing/2014/main" id="{F6C8D8EB-58A0-4022-B8B9-A95431344847}"/>
+                </a:ext>
+              </a:extLst>
+            </p:cNvPr>
+            <p:cNvPicPr>
+              <a:picLocks noChangeAspect="1"/>
+            </p:cNvPicPr>
+            <p:nvPr/>
+          </p:nvPicPr>
+          <p:blipFill rotWithShape="1">
+            <a:blip r:embed="rId3"/>
+            <a:srcRect l="3313" r="5831" b="22001"/>
+            <a:stretch/>
+          </p:blipFill>
+          <p:spPr>
+            <a:xfrm>
+              <a:off x="1061299" y="2974930"/>
+              <a:ext cx="1231848" cy="261301"/>
+            </a:xfrm>
+            <a:prstGeom prst="rect">
+              <a:avLst/>
+            </a:prstGeom>
+            <a:ln>
+              <a:solidFill>
+                <a:schemeClr val="tx1"/>
+              </a:solidFill>
+            </a:ln>
+          </p:spPr>
+        </p:pic>
+        <p:pic>
+          <p:nvPicPr>
+            <p:cNvPr id="46" name="Picture 2" descr="PcVue Solutions website">
+              <a:extLst>
+                <a:ext uri="{FF2B5EF4-FFF2-40B4-BE49-F238E27FC236}">
+                  <a16:creationId xmlns:a16="http://schemas.microsoft.com/office/drawing/2014/main" id="{DEC8A909-FAD8-41D1-A09D-7A3BF29A1B4C}"/>
+                </a:ext>
+              </a:extLst>
+            </p:cNvPr>
+            <p:cNvPicPr>
+              <a:picLocks noChangeAspect="1" noChangeArrowheads="1"/>
+            </p:cNvPicPr>
+            <p:nvPr/>
+          </p:nvPicPr>
+          <p:blipFill>
+            <a:blip r:embed="rId5" cstate="print">
+              <a:extLst>
+                <a:ext uri="{28A0092B-C50C-407E-A947-70E740481C1C}">
+                  <a14:useLocalDpi xmlns:a14="http://schemas.microsoft.com/office/drawing/2010/main" val="0"/>
+                </a:ext>
+              </a:extLst>
+            </a:blip>
+            <a:srcRect/>
+            <a:stretch>
+              <a:fillRect/>
+            </a:stretch>
+          </p:blipFill>
+          <p:spPr bwMode="auto">
+            <a:xfrm>
+              <a:off x="1061299" y="2616491"/>
+              <a:ext cx="1237707" cy="292466"/>
+            </a:xfrm>
+            <a:prstGeom prst="rect">
+              <a:avLst/>
+            </a:prstGeom>
+            <a:noFill/>
+            <a:ln>
+              <a:solidFill>
+                <a:srgbClr val="FF0000"/>
+              </a:solidFill>
+            </a:ln>
+            <a:extLst>
+              <a:ext uri="{909E8E84-426E-40DD-AFC4-6F175D3DCCD1}">
+                <a14:hiddenFill xmlns:a14="http://schemas.microsoft.com/office/drawing/2010/main">
+                  <a:solidFill>
+                    <a:srgbClr val="FFFFFF"/>
+                  </a:solidFill>
+                </a14:hiddenFill>
+              </a:ext>
+            </a:extLst>
+          </p:spPr>
+        </p:pic>
+        <p:pic>
+          <p:nvPicPr>
+            <p:cNvPr id="50" name="Picture 2">
+              <a:extLst>
+                <a:ext uri="{FF2B5EF4-FFF2-40B4-BE49-F238E27FC236}">
+                  <a16:creationId xmlns:a16="http://schemas.microsoft.com/office/drawing/2014/main" id="{2C063A91-77E1-4376-8EF5-2FA15DE514B2}"/>
+                </a:ext>
+              </a:extLst>
+            </p:cNvPr>
+            <p:cNvPicPr>
+              <a:picLocks noChangeAspect="1" noChangeArrowheads="1"/>
+            </p:cNvPicPr>
+            <p:nvPr/>
+          </p:nvPicPr>
+          <p:blipFill>
+            <a:blip r:embed="rId6" cstate="print">
+              <a:extLst>
+                <a:ext uri="{28A0092B-C50C-407E-A947-70E740481C1C}">
+                  <a14:useLocalDpi xmlns:a14="http://schemas.microsoft.com/office/drawing/2010/main" val="0"/>
+                </a:ext>
+              </a:extLst>
+            </a:blip>
+            <a:srcRect/>
+            <a:stretch>
+              <a:fillRect/>
+            </a:stretch>
+          </p:blipFill>
+          <p:spPr bwMode="auto">
+            <a:xfrm>
+              <a:off x="1276236" y="2005792"/>
+              <a:ext cx="1766728" cy="253108"/>
+            </a:xfrm>
+            <a:prstGeom prst="rect">
+              <a:avLst/>
+            </a:prstGeom>
+            <a:noFill/>
+            <a:ln>
+              <a:solidFill>
+                <a:schemeClr val="tx1"/>
+              </a:solidFill>
+            </a:ln>
+            <a:extLst>
+              <a:ext uri="{909E8E84-426E-40DD-AFC4-6F175D3DCCD1}">
+                <a14:hiddenFill xmlns:a14="http://schemas.microsoft.com/office/drawing/2010/main">
+                  <a:solidFill>
+                    <a:srgbClr val="FFFFFF"/>
+                  </a:solidFill>
+                </a14:hiddenFill>
+              </a:ext>
+            </a:extLst>
+          </p:spPr>
+        </p:pic>
+      </p:grpSp>
+      <p:cxnSp>
+        <p:nvCxnSpPr>
+          <p:cNvPr id="54" name="直線コネクタ 53">
+            <a:extLst>
+              <a:ext uri="{FF2B5EF4-FFF2-40B4-BE49-F238E27FC236}">
+                <a16:creationId xmlns:a16="http://schemas.microsoft.com/office/drawing/2014/main" id="{B3433C8C-3A3F-49CE-965E-2D517750AEB8}"/>
+              </a:ext>
+            </a:extLst>
+          </p:cNvPr>
+          <p:cNvCxnSpPr>
+            <a:cxnSpLocks/>
+          </p:cNvCxnSpPr>
+          <p:nvPr/>
+        </p:nvCxnSpPr>
+        <p:spPr>
+          <a:xfrm>
+            <a:off x="6219447" y="4486918"/>
+            <a:ext cx="763389" cy="0"/>
+          </a:xfrm>
+          <a:prstGeom prst="line">
+            <a:avLst/>
+          </a:prstGeom>
+        </p:spPr>
+        <p:style>
+          <a:lnRef idx="1">
+            <a:schemeClr val="accent1"/>
+          </a:lnRef>
+          <a:fillRef idx="0">
+            <a:schemeClr val="accent1"/>
+          </a:fillRef>
+          <a:effectRef idx="0">
+            <a:schemeClr val="accent1"/>
+          </a:effectRef>
+          <a:fontRef idx="minor">
+            <a:schemeClr val="tx1"/>
+          </a:fontRef>
+        </p:style>
+      </p:cxnSp>
+      <p:cxnSp>
+        <p:nvCxnSpPr>
+          <p:cNvPr id="56" name="直線矢印コネクタ 55">
+            <a:extLst>
+              <a:ext uri="{FF2B5EF4-FFF2-40B4-BE49-F238E27FC236}">
+                <a16:creationId xmlns:a16="http://schemas.microsoft.com/office/drawing/2014/main" id="{5A4A2313-2C8F-42F5-897D-E2C6E00205DF}"/>
+              </a:ext>
+            </a:extLst>
+          </p:cNvPr>
+          <p:cNvCxnSpPr/>
+          <p:nvPr/>
+        </p:nvCxnSpPr>
+        <p:spPr>
+          <a:xfrm>
+            <a:off x="6601109" y="4143419"/>
+            <a:ext cx="0" cy="357591"/>
+          </a:xfrm>
+          <a:prstGeom prst="straightConnector1">
+            <a:avLst/>
+          </a:prstGeom>
+          <a:ln>
+            <a:headEnd type="triangle"/>
+            <a:tailEnd type="triangle"/>
+          </a:ln>
+        </p:spPr>
+        <p:style>
+          <a:lnRef idx="1">
+            <a:schemeClr val="accent1"/>
+          </a:lnRef>
+          <a:fillRef idx="0">
+            <a:schemeClr val="accent1"/>
+          </a:fillRef>
+          <a:effectRef idx="0">
+            <a:schemeClr val="accent1"/>
+          </a:effectRef>
+          <a:fontRef idx="minor">
+            <a:schemeClr val="tx1"/>
+          </a:fontRef>
+        </p:style>
+      </p:cxnSp>
+      <p:cxnSp>
+        <p:nvCxnSpPr>
+          <p:cNvPr id="57" name="直線コネクタ 56">
+            <a:extLst>
+              <a:ext uri="{FF2B5EF4-FFF2-40B4-BE49-F238E27FC236}">
+                <a16:creationId xmlns:a16="http://schemas.microsoft.com/office/drawing/2014/main" id="{DD1C6F32-D0C4-4603-96B0-A5972E97E783}"/>
+              </a:ext>
+            </a:extLst>
+          </p:cNvPr>
+          <p:cNvCxnSpPr>
+            <a:cxnSpLocks/>
+          </p:cNvCxnSpPr>
+          <p:nvPr/>
+        </p:nvCxnSpPr>
+        <p:spPr>
+          <a:xfrm>
+            <a:off x="6219446" y="4672206"/>
+            <a:ext cx="763390" cy="0"/>
+          </a:xfrm>
+          <a:prstGeom prst="line">
+            <a:avLst/>
+          </a:prstGeom>
+        </p:spPr>
+        <p:style>
+          <a:lnRef idx="1">
+            <a:schemeClr val="accent1"/>
+          </a:lnRef>
+          <a:fillRef idx="0">
+            <a:schemeClr val="accent1"/>
+          </a:fillRef>
+          <a:effectRef idx="0">
+            <a:schemeClr val="accent1"/>
+          </a:effectRef>
+          <a:fontRef idx="minor">
+            <a:schemeClr val="tx1"/>
+          </a:fontRef>
+        </p:style>
+      </p:cxnSp>
+      <p:cxnSp>
+        <p:nvCxnSpPr>
+          <p:cNvPr id="58" name="直線コネクタ 57">
+            <a:extLst>
+              <a:ext uri="{FF2B5EF4-FFF2-40B4-BE49-F238E27FC236}">
+                <a16:creationId xmlns:a16="http://schemas.microsoft.com/office/drawing/2014/main" id="{F29D2A0A-3304-44CF-818F-E8907F9871A6}"/>
+              </a:ext>
+            </a:extLst>
+          </p:cNvPr>
+          <p:cNvCxnSpPr>
+            <a:cxnSpLocks/>
+          </p:cNvCxnSpPr>
+          <p:nvPr/>
+        </p:nvCxnSpPr>
+        <p:spPr>
+          <a:xfrm>
+            <a:off x="6219447" y="4922213"/>
+            <a:ext cx="763389" cy="0"/>
+          </a:xfrm>
+          <a:prstGeom prst="line">
+            <a:avLst/>
+          </a:prstGeom>
+        </p:spPr>
+        <p:style>
+          <a:lnRef idx="1">
+            <a:schemeClr val="accent1"/>
+          </a:lnRef>
+          <a:fillRef idx="0">
+            <a:schemeClr val="accent1"/>
+          </a:fillRef>
+          <a:effectRef idx="0">
+            <a:schemeClr val="accent1"/>
+          </a:effectRef>
+          <a:fontRef idx="minor">
+            <a:schemeClr val="tx1"/>
+          </a:fontRef>
+        </p:style>
+      </p:cxnSp>
+      <p:cxnSp>
+        <p:nvCxnSpPr>
+          <p:cNvPr id="59" name="直線矢印コネクタ 58">
+            <a:extLst>
+              <a:ext uri="{FF2B5EF4-FFF2-40B4-BE49-F238E27FC236}">
+                <a16:creationId xmlns:a16="http://schemas.microsoft.com/office/drawing/2014/main" id="{65CCD24C-4157-465C-8B10-6F73614FBF7E}"/>
+              </a:ext>
+            </a:extLst>
+          </p:cNvPr>
+          <p:cNvCxnSpPr>
+            <a:cxnSpLocks/>
+          </p:cNvCxnSpPr>
+          <p:nvPr/>
+        </p:nvCxnSpPr>
+        <p:spPr>
+          <a:xfrm>
+            <a:off x="6605841" y="4672206"/>
+            <a:ext cx="0" cy="261301"/>
+          </a:xfrm>
+          <a:prstGeom prst="straightConnector1">
+            <a:avLst/>
+          </a:prstGeom>
+          <a:ln>
+            <a:headEnd type="triangle"/>
+            <a:tailEnd type="triangle"/>
+          </a:ln>
+        </p:spPr>
+        <p:style>
+          <a:lnRef idx="1">
+            <a:schemeClr val="accent1"/>
+          </a:lnRef>
+          <a:fillRef idx="0">
+            <a:schemeClr val="accent1"/>
+          </a:fillRef>
+          <a:effectRef idx="0">
+            <a:schemeClr val="accent1"/>
+          </a:effectRef>
+          <a:fontRef idx="minor">
+            <a:schemeClr val="tx1"/>
+          </a:fontRef>
+        </p:style>
+      </p:cxnSp>
+      <p:sp>
+        <p:nvSpPr>
+          <p:cNvPr id="60" name="Espace réservé du contenu 5">
+            <a:extLst>
+              <a:ext uri="{FF2B5EF4-FFF2-40B4-BE49-F238E27FC236}">
+                <a16:creationId xmlns:a16="http://schemas.microsoft.com/office/drawing/2014/main" id="{43E0047D-A134-4C6E-B95B-CAE37328F4B5}"/>
+              </a:ext>
+            </a:extLst>
+          </p:cNvPr>
+          <p:cNvSpPr txBox="1">
+            <a:spLocks/>
+          </p:cNvSpPr>
+          <p:nvPr/>
+        </p:nvSpPr>
+        <p:spPr>
+          <a:xfrm>
+            <a:off x="6514784" y="4168934"/>
+            <a:ext cx="712774" cy="338835"/>
+          </a:xfrm>
+          <a:prstGeom prst="rect">
+            <a:avLst/>
+          </a:prstGeom>
+        </p:spPr>
+        <p:txBody>
+          <a:bodyPr/>
+          <a:lstStyle>
+            <a:lvl1pPr marL="0" indent="0" algn="l" defTabSz="914400" rtl="0" eaLnBrk="1" latinLnBrk="0" hangingPunct="1">
+              <a:lnSpc>
+                <a:spcPct val="100000"/>
+              </a:lnSpc>
+              <a:spcBef>
+                <a:spcPts val="1000"/>
+              </a:spcBef>
+              <a:buFont typeface="Arial" panose="020B0604020202020204" pitchFamily="34" charset="0"/>
+              <a:buNone/>
+              <a:defRPr lang="fr-FR" sz="2400" b="1" kern="1200" dirty="0" smtClean="0">
+                <a:solidFill>
+                  <a:schemeClr val="tx1"/>
+                </a:solidFill>
+                <a:latin typeface="Segoe UI Semilight" panose="020B0402040204020203" pitchFamily="34" charset="0"/>
+                <a:ea typeface="+mn-ea"/>
+                <a:cs typeface="Segoe UI Semilight" panose="020B0402040204020203" pitchFamily="34" charset="0"/>
+              </a:defRPr>
+            </a:lvl1pPr>
+            <a:lvl2pPr marL="685800" indent="-228600" algn="l" defTabSz="914400" rtl="0" eaLnBrk="1" latinLnBrk="0" hangingPunct="1">
+              <a:lnSpc>
+                <a:spcPct val="150000"/>
+              </a:lnSpc>
+              <a:spcBef>
+                <a:spcPts val="500"/>
+              </a:spcBef>
+              <a:buFont typeface="Arial" panose="020B0604020202020204" pitchFamily="34" charset="0"/>
+              <a:buChar char="•"/>
+              <a:defRPr lang="fr-FR" sz="2400" kern="1200" dirty="0" smtClean="0">
+                <a:solidFill>
+                  <a:schemeClr val="tx1"/>
+                </a:solidFill>
+                <a:latin typeface="Segoe UI" panose="020B0502040204020203" pitchFamily="34" charset="0"/>
+                <a:ea typeface="+mn-ea"/>
+                <a:cs typeface="Segoe UI" panose="020B0502040204020203" pitchFamily="34" charset="0"/>
+              </a:defRPr>
+            </a:lvl2pPr>
+            <a:lvl3pPr marL="1143000" indent="-228600" algn="l" defTabSz="914400" rtl="0" eaLnBrk="1" latinLnBrk="0" hangingPunct="1">
+              <a:lnSpc>
+                <a:spcPct val="90000"/>
+              </a:lnSpc>
+              <a:spcBef>
+                <a:spcPts val="500"/>
+              </a:spcBef>
+              <a:buFont typeface="Arial" panose="020B0604020202020204" pitchFamily="34" charset="0"/>
+              <a:buChar char="•"/>
+              <a:defRPr lang="fr-FR" sz="2000" kern="1200" dirty="0" smtClean="0">
+                <a:solidFill>
+                  <a:schemeClr val="tx1"/>
+                </a:solidFill>
+                <a:latin typeface="Segoe UI" panose="020B0502040204020203" pitchFamily="34" charset="0"/>
+                <a:ea typeface="+mn-ea"/>
+                <a:cs typeface="Segoe UI" panose="020B0502040204020203" pitchFamily="34" charset="0"/>
+              </a:defRPr>
+            </a:lvl3pPr>
+            <a:lvl4pPr marL="1600200" indent="-228600" algn="l" defTabSz="914400" rtl="0" eaLnBrk="1" latinLnBrk="0" hangingPunct="1">
+              <a:lnSpc>
+                <a:spcPct val="90000"/>
+              </a:lnSpc>
+              <a:spcBef>
+                <a:spcPts val="500"/>
+              </a:spcBef>
+              <a:buFont typeface="Arial" panose="020B0604020202020204" pitchFamily="34" charset="0"/>
+              <a:buChar char="•"/>
+              <a:defRPr lang="fr-FR" sz="1800" kern="1200" dirty="0" smtClean="0">
+                <a:solidFill>
+                  <a:schemeClr val="tx1"/>
+                </a:solidFill>
+                <a:latin typeface="Segoe UI" panose="020B0502040204020203" pitchFamily="34" charset="0"/>
+                <a:ea typeface="+mn-ea"/>
+                <a:cs typeface="Segoe UI" panose="020B0502040204020203" pitchFamily="34" charset="0"/>
+              </a:defRPr>
+            </a:lvl4pPr>
+            <a:lvl5pPr marL="2057400" indent="-228600" algn="l" defTabSz="914400" rtl="0" eaLnBrk="1" latinLnBrk="0" hangingPunct="1">
+              <a:lnSpc>
+                <a:spcPct val="90000"/>
+              </a:lnSpc>
+              <a:spcBef>
+                <a:spcPts val="500"/>
+              </a:spcBef>
+              <a:buFont typeface="Arial" panose="020B0604020202020204" pitchFamily="34" charset="0"/>
+              <a:buChar char="•"/>
+              <a:defRPr lang="fr-FR" sz="2400" kern="1200" dirty="0">
+                <a:solidFill>
+                  <a:schemeClr val="tx1"/>
+                </a:solidFill>
+                <a:latin typeface="Segoe UI" panose="020B0502040204020203" pitchFamily="34" charset="0"/>
+                <a:ea typeface="+mn-ea"/>
+                <a:cs typeface="Segoe UI" panose="020B0502040204020203" pitchFamily="34" charset="0"/>
+              </a:defRPr>
+            </a:lvl5pPr>
+            <a:lvl6pPr marL="2514600" indent="-228600" algn="l" defTabSz="914400" rtl="0" eaLnBrk="1" latinLnBrk="0" hangingPunct="1">
+              <a:lnSpc>
+                <a:spcPct val="90000"/>
+              </a:lnSpc>
+              <a:spcBef>
+                <a:spcPts val="500"/>
+              </a:spcBef>
+              <a:buFont typeface="Arial" panose="020B0604020202020204" pitchFamily="34" charset="0"/>
+              <a:buChar char="•"/>
+              <a:defRPr sz="1800" kern="1200">
+                <a:solidFill>
+                  <a:schemeClr val="tx1"/>
+                </a:solidFill>
+                <a:latin typeface="+mn-lt"/>
+                <a:ea typeface="+mn-ea"/>
+                <a:cs typeface="+mn-cs"/>
+              </a:defRPr>
+            </a:lvl6pPr>
+            <a:lvl7pPr marL="2971800" indent="-228600" algn="l" defTabSz="914400" rtl="0" eaLnBrk="1" latinLnBrk="0" hangingPunct="1">
+              <a:lnSpc>
+                <a:spcPct val="90000"/>
+              </a:lnSpc>
+              <a:spcBef>
+                <a:spcPts val="500"/>
+              </a:spcBef>
+              <a:buFont typeface="Arial" panose="020B0604020202020204" pitchFamily="34" charset="0"/>
+              <a:buChar char="•"/>
+              <a:defRPr sz="1800" kern="1200">
+                <a:solidFill>
+                  <a:schemeClr val="tx1"/>
+                </a:solidFill>
+                <a:latin typeface="+mn-lt"/>
+                <a:ea typeface="+mn-ea"/>
+                <a:cs typeface="+mn-cs"/>
+              </a:defRPr>
+            </a:lvl7pPr>
+            <a:lvl8pPr marL="3429000" indent="-228600" algn="l" defTabSz="914400" rtl="0" eaLnBrk="1" latinLnBrk="0" hangingPunct="1">
+              <a:lnSpc>
+                <a:spcPct val="90000"/>
+              </a:lnSpc>
+              <a:spcBef>
+                <a:spcPts val="500"/>
+              </a:spcBef>
+              <a:buFont typeface="Arial" panose="020B0604020202020204" pitchFamily="34" charset="0"/>
+              <a:buChar char="•"/>
+              <a:defRPr sz="1800" kern="1200">
+                <a:solidFill>
+                  <a:schemeClr val="tx1"/>
+                </a:solidFill>
+                <a:latin typeface="+mn-lt"/>
+                <a:ea typeface="+mn-ea"/>
+                <a:cs typeface="+mn-cs"/>
+              </a:defRPr>
+            </a:lvl8pPr>
+            <a:lvl9pPr marL="3886200" indent="-228600" algn="l" defTabSz="914400" rtl="0" eaLnBrk="1" latinLnBrk="0" hangingPunct="1">
+              <a:lnSpc>
+                <a:spcPct val="90000"/>
+              </a:lnSpc>
+              <a:spcBef>
+                <a:spcPts val="500"/>
+              </a:spcBef>
+              <a:buFont typeface="Arial" panose="020B0604020202020204" pitchFamily="34" charset="0"/>
+              <a:buChar char="•"/>
+              <a:defRPr sz="1800" kern="1200">
+                <a:solidFill>
+                  <a:schemeClr val="tx1"/>
+                </a:solidFill>
+                <a:latin typeface="+mn-lt"/>
+                <a:ea typeface="+mn-ea"/>
+                <a:cs typeface="+mn-cs"/>
+              </a:defRPr>
+            </a:lvl9pPr>
+          </a:lstStyle>
+          <a:p>
+            <a:pPr marL="0" marR="0" lvl="0" indent="0" algn="ctr" defTabSz="914400" rtl="0" eaLnBrk="1" fontAlgn="auto" latinLnBrk="0" hangingPunct="1">
+              <a:lnSpc>
+                <a:spcPts val="1800"/>
+              </a:lnSpc>
+              <a:spcBef>
+                <a:spcPts val="0"/>
+              </a:spcBef>
+              <a:spcAft>
+                <a:spcPts val="0"/>
+              </a:spcAft>
+              <a:buClrTx/>
+              <a:buSzTx/>
+              <a:buFont typeface="Arial" panose="020B0604020202020204" pitchFamily="34" charset="0"/>
+              <a:buNone/>
+              <a:tabLst/>
+              <a:defRPr/>
+            </a:pPr>
+            <a:r>
+              <a:rPr kumimoji="0" lang="ja-JP" altLang="en-US" sz="1400" i="0" u="none" strike="noStrike" kern="1200" cap="none" spc="0" normalizeH="0" baseline="0" noProof="0" dirty="0" smtClean="0">
+                <a:ln>
+                  <a:noFill/>
+                </a:ln>
+                <a:solidFill>
+                  <a:prstClr val="black"/>
+                </a:solidFill>
+                <a:effectLst/>
+                <a:uLnTx/>
+                <a:uFillTx/>
+                <a:latin typeface="BIZ UDPゴシック" panose="020B0400000000000000" pitchFamily="50" charset="-128"/>
+                <a:ea typeface="BIZ UDPゴシック" panose="020B0400000000000000" pitchFamily="50" charset="-128"/>
+                <a:cs typeface="Segoe UI Semilight" panose="020B0402040204020203" pitchFamily="34" charset="0"/>
+              </a:rPr>
+              <a:t>①</a:t>
+            </a:r>
+            <a:endParaRPr kumimoji="0" lang="en-US" sz="1400" i="0" u="none" strike="noStrike" kern="1200" cap="none" spc="0" normalizeH="0" baseline="0" noProof="0" dirty="0">
+              <a:ln>
+                <a:noFill/>
+              </a:ln>
+              <a:solidFill>
+                <a:prstClr val="black"/>
+              </a:solidFill>
+              <a:effectLst/>
+              <a:uLnTx/>
+              <a:uFillTx/>
+              <a:latin typeface="BIZ UDPゴシック" panose="020B0400000000000000" pitchFamily="50" charset="-128"/>
+              <a:ea typeface="BIZ UDPゴシック" panose="020B0400000000000000" pitchFamily="50" charset="-128"/>
+              <a:cs typeface="Segoe UI Semilight" panose="020B0402040204020203" pitchFamily="34" charset="0"/>
+            </a:endParaRPr>
+          </a:p>
+        </p:txBody>
+      </p:sp>
+      <p:sp>
+        <p:nvSpPr>
+          <p:cNvPr id="61" name="Espace réservé du contenu 5">
+            <a:extLst>
+              <a:ext uri="{FF2B5EF4-FFF2-40B4-BE49-F238E27FC236}">
+                <a16:creationId xmlns:a16="http://schemas.microsoft.com/office/drawing/2014/main" id="{60732746-220F-44FF-9234-C9A2FE6D7628}"/>
+              </a:ext>
+            </a:extLst>
+          </p:cNvPr>
+          <p:cNvSpPr txBox="1">
+            <a:spLocks/>
+          </p:cNvSpPr>
+          <p:nvPr/>
+        </p:nvSpPr>
+        <p:spPr>
+          <a:xfrm>
+            <a:off x="6524790" y="4665446"/>
+            <a:ext cx="702768" cy="315223"/>
+          </a:xfrm>
+          <a:prstGeom prst="rect">
+            <a:avLst/>
+          </a:prstGeom>
+        </p:spPr>
+        <p:txBody>
+          <a:bodyPr/>
+          <a:lstStyle>
+            <a:lvl1pPr marL="0" indent="0" algn="l" defTabSz="914400" rtl="0" eaLnBrk="1" latinLnBrk="0" hangingPunct="1">
+              <a:lnSpc>
+                <a:spcPct val="100000"/>
+              </a:lnSpc>
+              <a:spcBef>
+                <a:spcPts val="1000"/>
+              </a:spcBef>
+              <a:buFont typeface="Arial" panose="020B0604020202020204" pitchFamily="34" charset="0"/>
+              <a:buNone/>
+              <a:defRPr lang="fr-FR" sz="2400" b="1" kern="1200" dirty="0" smtClean="0">
+                <a:solidFill>
+                  <a:schemeClr val="tx1"/>
+                </a:solidFill>
+                <a:latin typeface="Segoe UI Semilight" panose="020B0402040204020203" pitchFamily="34" charset="0"/>
+                <a:ea typeface="+mn-ea"/>
+                <a:cs typeface="Segoe UI Semilight" panose="020B0402040204020203" pitchFamily="34" charset="0"/>
+              </a:defRPr>
+            </a:lvl1pPr>
+            <a:lvl2pPr marL="685800" indent="-228600" algn="l" defTabSz="914400" rtl="0" eaLnBrk="1" latinLnBrk="0" hangingPunct="1">
+              <a:lnSpc>
+                <a:spcPct val="150000"/>
+              </a:lnSpc>
+              <a:spcBef>
+                <a:spcPts val="500"/>
+              </a:spcBef>
+              <a:buFont typeface="Arial" panose="020B0604020202020204" pitchFamily="34" charset="0"/>
+              <a:buChar char="•"/>
+              <a:defRPr lang="fr-FR" sz="2400" kern="1200" dirty="0" smtClean="0">
+                <a:solidFill>
+                  <a:schemeClr val="tx1"/>
+                </a:solidFill>
+                <a:latin typeface="Segoe UI" panose="020B0502040204020203" pitchFamily="34" charset="0"/>
+                <a:ea typeface="+mn-ea"/>
+                <a:cs typeface="Segoe UI" panose="020B0502040204020203" pitchFamily="34" charset="0"/>
+              </a:defRPr>
+            </a:lvl2pPr>
+            <a:lvl3pPr marL="1143000" indent="-228600" algn="l" defTabSz="914400" rtl="0" eaLnBrk="1" latinLnBrk="0" hangingPunct="1">
+              <a:lnSpc>
+                <a:spcPct val="90000"/>
+              </a:lnSpc>
+              <a:spcBef>
+                <a:spcPts val="500"/>
+              </a:spcBef>
+              <a:buFont typeface="Arial" panose="020B0604020202020204" pitchFamily="34" charset="0"/>
+              <a:buChar char="•"/>
+              <a:defRPr lang="fr-FR" sz="2000" kern="1200" dirty="0" smtClean="0">
+                <a:solidFill>
+                  <a:schemeClr val="tx1"/>
+                </a:solidFill>
+                <a:latin typeface="Segoe UI" panose="020B0502040204020203" pitchFamily="34" charset="0"/>
+                <a:ea typeface="+mn-ea"/>
+                <a:cs typeface="Segoe UI" panose="020B0502040204020203" pitchFamily="34" charset="0"/>
+              </a:defRPr>
+            </a:lvl3pPr>
+            <a:lvl4pPr marL="1600200" indent="-228600" algn="l" defTabSz="914400" rtl="0" eaLnBrk="1" latinLnBrk="0" hangingPunct="1">
+              <a:lnSpc>
+                <a:spcPct val="90000"/>
+              </a:lnSpc>
+              <a:spcBef>
+                <a:spcPts val="500"/>
+              </a:spcBef>
+              <a:buFont typeface="Arial" panose="020B0604020202020204" pitchFamily="34" charset="0"/>
+              <a:buChar char="•"/>
+              <a:defRPr lang="fr-FR" sz="1800" kern="1200" dirty="0" smtClean="0">
+                <a:solidFill>
+                  <a:schemeClr val="tx1"/>
+                </a:solidFill>
+                <a:latin typeface="Segoe UI" panose="020B0502040204020203" pitchFamily="34" charset="0"/>
+                <a:ea typeface="+mn-ea"/>
+                <a:cs typeface="Segoe UI" panose="020B0502040204020203" pitchFamily="34" charset="0"/>
+              </a:defRPr>
+            </a:lvl4pPr>
+            <a:lvl5pPr marL="2057400" indent="-228600" algn="l" defTabSz="914400" rtl="0" eaLnBrk="1" latinLnBrk="0" hangingPunct="1">
+              <a:lnSpc>
+                <a:spcPct val="90000"/>
+              </a:lnSpc>
+              <a:spcBef>
+                <a:spcPts val="500"/>
+              </a:spcBef>
+              <a:buFont typeface="Arial" panose="020B0604020202020204" pitchFamily="34" charset="0"/>
+              <a:buChar char="•"/>
+              <a:defRPr lang="fr-FR" sz="2400" kern="1200" dirty="0">
+                <a:solidFill>
+                  <a:schemeClr val="tx1"/>
+                </a:solidFill>
+                <a:latin typeface="Segoe UI" panose="020B0502040204020203" pitchFamily="34" charset="0"/>
+                <a:ea typeface="+mn-ea"/>
+                <a:cs typeface="Segoe UI" panose="020B0502040204020203" pitchFamily="34" charset="0"/>
+              </a:defRPr>
+            </a:lvl5pPr>
+            <a:lvl6pPr marL="2514600" indent="-228600" algn="l" defTabSz="914400" rtl="0" eaLnBrk="1" latinLnBrk="0" hangingPunct="1">
+              <a:lnSpc>
+                <a:spcPct val="90000"/>
+              </a:lnSpc>
+              <a:spcBef>
+                <a:spcPts val="500"/>
+              </a:spcBef>
+              <a:buFont typeface="Arial" panose="020B0604020202020204" pitchFamily="34" charset="0"/>
+              <a:buChar char="•"/>
+              <a:defRPr sz="1800" kern="1200">
+                <a:solidFill>
+                  <a:schemeClr val="tx1"/>
+                </a:solidFill>
+                <a:latin typeface="+mn-lt"/>
+                <a:ea typeface="+mn-ea"/>
+                <a:cs typeface="+mn-cs"/>
+              </a:defRPr>
+            </a:lvl6pPr>
+            <a:lvl7pPr marL="2971800" indent="-228600" algn="l" defTabSz="914400" rtl="0" eaLnBrk="1" latinLnBrk="0" hangingPunct="1">
+              <a:lnSpc>
+                <a:spcPct val="90000"/>
+              </a:lnSpc>
+              <a:spcBef>
+                <a:spcPts val="500"/>
+              </a:spcBef>
+              <a:buFont typeface="Arial" panose="020B0604020202020204" pitchFamily="34" charset="0"/>
+              <a:buChar char="•"/>
+              <a:defRPr sz="1800" kern="1200">
+                <a:solidFill>
+                  <a:schemeClr val="tx1"/>
+                </a:solidFill>
+                <a:latin typeface="+mn-lt"/>
+                <a:ea typeface="+mn-ea"/>
+                <a:cs typeface="+mn-cs"/>
+              </a:defRPr>
+            </a:lvl7pPr>
+            <a:lvl8pPr marL="3429000" indent="-228600" algn="l" defTabSz="914400" rtl="0" eaLnBrk="1" latinLnBrk="0" hangingPunct="1">
+              <a:lnSpc>
+                <a:spcPct val="90000"/>
+              </a:lnSpc>
+              <a:spcBef>
+                <a:spcPts val="500"/>
+              </a:spcBef>
+              <a:buFont typeface="Arial" panose="020B0604020202020204" pitchFamily="34" charset="0"/>
+              <a:buChar char="•"/>
+              <a:defRPr sz="1800" kern="1200">
+                <a:solidFill>
+                  <a:schemeClr val="tx1"/>
+                </a:solidFill>
+                <a:latin typeface="+mn-lt"/>
+                <a:ea typeface="+mn-ea"/>
+                <a:cs typeface="+mn-cs"/>
+              </a:defRPr>
+            </a:lvl8pPr>
+            <a:lvl9pPr marL="3886200" indent="-228600" algn="l" defTabSz="914400" rtl="0" eaLnBrk="1" latinLnBrk="0" hangingPunct="1">
+              <a:lnSpc>
+                <a:spcPct val="90000"/>
+              </a:lnSpc>
+              <a:spcBef>
+                <a:spcPts val="500"/>
+              </a:spcBef>
+              <a:buFont typeface="Arial" panose="020B0604020202020204" pitchFamily="34" charset="0"/>
+              <a:buChar char="•"/>
+              <a:defRPr sz="1800" kern="1200">
+                <a:solidFill>
+                  <a:schemeClr val="tx1"/>
+                </a:solidFill>
+                <a:latin typeface="+mn-lt"/>
+                <a:ea typeface="+mn-ea"/>
+                <a:cs typeface="+mn-cs"/>
+              </a:defRPr>
+            </a:lvl9pPr>
+          </a:lstStyle>
+          <a:p>
+            <a:pPr marL="0" marR="0" lvl="0" indent="0" algn="ctr" defTabSz="914400" rtl="0" eaLnBrk="1" fontAlgn="auto" latinLnBrk="0" hangingPunct="1">
+              <a:lnSpc>
+                <a:spcPts val="1800"/>
+              </a:lnSpc>
+              <a:spcBef>
+                <a:spcPts val="0"/>
+              </a:spcBef>
+              <a:spcAft>
+                <a:spcPts val="0"/>
+              </a:spcAft>
+              <a:buClrTx/>
+              <a:buSzTx/>
+              <a:buFont typeface="Arial" panose="020B0604020202020204" pitchFamily="34" charset="0"/>
+              <a:buNone/>
+              <a:tabLst/>
+              <a:defRPr/>
+            </a:pPr>
+            <a:r>
+              <a:rPr kumimoji="0" lang="ja-JP" altLang="en-US" sz="1400" i="0" u="none" strike="noStrike" kern="1200" cap="none" spc="0" normalizeH="0" baseline="0" noProof="0" dirty="0" smtClean="0">
+                <a:ln>
+                  <a:noFill/>
+                </a:ln>
+                <a:solidFill>
+                  <a:prstClr val="black"/>
+                </a:solidFill>
+                <a:effectLst/>
+                <a:uLnTx/>
+                <a:uFillTx/>
+                <a:latin typeface="BIZ UDPゴシック" panose="020B0400000000000000" pitchFamily="50" charset="-128"/>
+                <a:ea typeface="BIZ UDPゴシック" panose="020B0400000000000000" pitchFamily="50" charset="-128"/>
+                <a:cs typeface="Segoe UI Semilight" panose="020B0402040204020203" pitchFamily="34" charset="0"/>
+              </a:rPr>
+              <a:t>②</a:t>
+            </a:r>
+            <a:endParaRPr kumimoji="0" lang="en-US" sz="1400" i="0" u="none" strike="noStrike" kern="1200" cap="none" spc="0" normalizeH="0" baseline="0" noProof="0" dirty="0">
+              <a:ln>
+                <a:noFill/>
+              </a:ln>
+              <a:solidFill>
+                <a:prstClr val="black"/>
+              </a:solidFill>
+              <a:effectLst/>
+              <a:uLnTx/>
+              <a:uFillTx/>
+              <a:latin typeface="BIZ UDPゴシック" panose="020B0400000000000000" pitchFamily="50" charset="-128"/>
+              <a:ea typeface="BIZ UDPゴシック" panose="020B0400000000000000" pitchFamily="50" charset="-128"/>
+              <a:cs typeface="Segoe UI Semilight" panose="020B0402040204020203" pitchFamily="34" charset="0"/>
+            </a:endParaRPr>
+          </a:p>
+        </p:txBody>
+      </p:sp>
     </p:spTree>
     <p:extLst>
       <p:ext uri="{BB962C8B-B14F-4D97-AF65-F5344CB8AC3E}">
